--- a/Presentations/RASD Presentation .pptx
+++ b/Presentations/RASD Presentation .pptx
@@ -20,15 +20,15 @@
     <p:sldId id="274" r:id="rId11"/>
     <p:sldId id="276" r:id="rId12"/>
     <p:sldId id="284" r:id="rId13"/>
-    <p:sldId id="268" r:id="rId14"/>
-    <p:sldId id="258" r:id="rId15"/>
-    <p:sldId id="269" r:id="rId16"/>
-    <p:sldId id="279" r:id="rId17"/>
-    <p:sldId id="280" r:id="rId18"/>
-    <p:sldId id="281" r:id="rId19"/>
-    <p:sldId id="282" r:id="rId20"/>
-    <p:sldId id="283" r:id="rId21"/>
-    <p:sldId id="266" r:id="rId22"/>
+    <p:sldId id="269" r:id="rId14"/>
+    <p:sldId id="279" r:id="rId15"/>
+    <p:sldId id="280" r:id="rId16"/>
+    <p:sldId id="282" r:id="rId17"/>
+    <p:sldId id="283" r:id="rId18"/>
+    <p:sldId id="268" r:id="rId19"/>
+    <p:sldId id="258" r:id="rId20"/>
+    <p:sldId id="266" r:id="rId21"/>
+    <p:sldId id="286" r:id="rId22"/>
     <p:sldId id="285" r:id="rId23"/>
   </p:sldIdLst>
   <p:sldSz cx="12192000" cy="6858000"/>
@@ -9053,8 +9053,12 @@
         <a:lstStyle/>
         <a:p>
           <a:r>
+            <a:rPr lang="en-US" dirty="0" smtClean="0"/>
+            <a:t>Optimizable </a:t>
+          </a:r>
+          <a:r>
             <a:rPr lang="en-US" dirty="0"/>
-            <a:t>Optimized and suitable solutions</a:t>
+            <a:t>and suitable solutions</a:t>
           </a:r>
           <a:endParaRPr lang="it-IT" dirty="0"/>
         </a:p>
@@ -11172,10 +11176,24 @@
     <dgm:pt modelId="{9684FCE7-9EA1-1B44-983B-EABF5378FECF}" type="parTrans" cxnId="{DCDAD367-AD33-484B-AD4F-3AAF4AE77E8B}">
       <dgm:prSet/>
       <dgm:spPr/>
+      <dgm:t>
+        <a:bodyPr/>
+        <a:lstStyle/>
+        <a:p>
+          <a:endParaRPr lang="ru-RU"/>
+        </a:p>
+      </dgm:t>
     </dgm:pt>
     <dgm:pt modelId="{BA42414A-FA6C-394F-8EE7-8A6F9ABDAE53}" type="sibTrans" cxnId="{DCDAD367-AD33-484B-AD4F-3AAF4AE77E8B}">
       <dgm:prSet/>
       <dgm:spPr/>
+      <dgm:t>
+        <a:bodyPr/>
+        <a:lstStyle/>
+        <a:p>
+          <a:endParaRPr lang="ru-RU"/>
+        </a:p>
+      </dgm:t>
     </dgm:pt>
     <dgm:pt modelId="{0931D61F-6F33-1541-9D17-FA7875E61E3A}">
       <dgm:prSet/>
@@ -11223,7 +11241,19 @@
         <a:p>
           <a:r>
             <a:rPr lang="en-US" dirty="0" smtClean="0"/>
-            <a:t>(RE17): The software must provide a User all the available solutions, according to his/her selected preferences, to get from one place to another. </a:t>
+            <a:t>(RE17): The software must provide a User </a:t>
+          </a:r>
+          <a:r>
+            <a:rPr lang="en-US" dirty="0" smtClean="0"/>
+            <a:t>the best possible solutions</a:t>
+          </a:r>
+          <a:r>
+            <a:rPr lang="en-US" dirty="0" smtClean="0"/>
+            <a:t>, according to his/her selected preferences, to get </a:t>
+          </a:r>
+          <a:r>
+            <a:rPr lang="en-US" dirty="0" smtClean="0"/>
+            <a:t>to the meeting. </a:t>
           </a:r>
           <a:endParaRPr lang="en-US" dirty="0"/>
         </a:p>
@@ -12203,8 +12233,12 @@
             </a:spcAft>
           </a:pPr>
           <a:r>
+            <a:rPr lang="en-US" sz="2400" kern="1200" dirty="0" smtClean="0"/>
+            <a:t>Optimizable </a:t>
+          </a:r>
+          <a:r>
             <a:rPr lang="en-US" sz="2400" kern="1200" dirty="0"/>
-            <a:t>Optimized and suitable solutions</a:t>
+            <a:t>and suitable solutions</a:t>
           </a:r>
           <a:endParaRPr lang="it-IT" sz="2400" kern="1200" dirty="0"/>
         </a:p>
@@ -14615,8 +14649,8 @@
       </dsp:nvSpPr>
       <dsp:spPr>
         <a:xfrm>
-          <a:off x="0" y="88604"/>
-          <a:ext cx="10058399" cy="1193400"/>
+          <a:off x="0" y="24502"/>
+          <a:ext cx="10058399" cy="1233179"/>
         </a:xfrm>
         <a:prstGeom prst="roundRect">
           <a:avLst/>
@@ -14700,12 +14734,12 @@
         </a:fontRef>
       </dsp:style>
       <dsp:txBody>
-        <a:bodyPr spcFirstLastPara="0" vert="horz" wrap="square" lIns="114300" tIns="114300" rIns="114300" bIns="114300" numCol="1" spcCol="1270" anchor="ctr" anchorCtr="0">
+        <a:bodyPr spcFirstLastPara="0" vert="horz" wrap="square" lIns="118110" tIns="118110" rIns="118110" bIns="118110" numCol="1" spcCol="1270" anchor="ctr" anchorCtr="0">
           <a:noAutofit/>
         </a:bodyPr>
         <a:lstStyle/>
         <a:p>
-          <a:pPr lvl="0" algn="l" defTabSz="1333500" rtl="0">
+          <a:pPr lvl="0" algn="l" defTabSz="1377950" rtl="0">
             <a:lnSpc>
               <a:spcPct val="90000"/>
             </a:lnSpc>
@@ -14717,14 +14751,14 @@
             </a:spcAft>
           </a:pPr>
           <a:r>
-            <a:rPr lang="en-US" sz="3000" kern="1200" dirty="0" smtClean="0"/>
+            <a:rPr lang="en-US" sz="3100" kern="1200" dirty="0" smtClean="0"/>
             <a:t>Goal 07. The system must provide firstly the most optimized and suitable solution, according to the user preferences</a:t>
           </a:r>
         </a:p>
       </dsp:txBody>
       <dsp:txXfrm>
-        <a:off x="58257" y="146861"/>
-        <a:ext cx="9941885" cy="1076886"/>
+        <a:off x="60199" y="84701"/>
+        <a:ext cx="9938001" cy="1112781"/>
       </dsp:txXfrm>
     </dsp:sp>
     <dsp:sp modelId="{ED9BE54F-7369-9341-8B5F-F582DF017494}">
@@ -14734,8 +14768,8 @@
       </dsp:nvSpPr>
       <dsp:spPr>
         <a:xfrm>
-          <a:off x="0" y="1282005"/>
-          <a:ext cx="10058399" cy="729675"/>
+          <a:off x="0" y="1257682"/>
+          <a:ext cx="10058399" cy="753997"/>
         </a:xfrm>
         <a:prstGeom prst="rect">
           <a:avLst/>
@@ -14759,12 +14793,12 @@
         <a:fontRef idx="minor"/>
       </dsp:style>
       <dsp:txBody>
-        <a:bodyPr spcFirstLastPara="0" vert="horz" wrap="square" lIns="319354" tIns="38100" rIns="213360" bIns="38100" numCol="1" spcCol="1270" anchor="t" anchorCtr="0">
+        <a:bodyPr spcFirstLastPara="0" vert="horz" wrap="square" lIns="319354" tIns="39370" rIns="220472" bIns="39370" numCol="1" spcCol="1270" anchor="t" anchorCtr="0">
           <a:noAutofit/>
         </a:bodyPr>
         <a:lstStyle/>
         <a:p>
-          <a:pPr marL="228600" lvl="1" indent="-228600" algn="l" defTabSz="1022350">
+          <a:pPr marL="228600" lvl="1" indent="-228600" algn="l" defTabSz="1066800">
             <a:lnSpc>
               <a:spcPct val="90000"/>
             </a:lnSpc>
@@ -14777,15 +14811,27 @@
             <a:buChar char="•"/>
           </a:pPr>
           <a:r>
-            <a:rPr lang="en-US" sz="2300" kern="1200" dirty="0" smtClean="0"/>
-            <a:t>(RE17): The software must provide a User all the available solutions, according to his/her selected preferences, to get from one place to another. </a:t>
+            <a:rPr lang="en-US" sz="2400" kern="1200" dirty="0" smtClean="0"/>
+            <a:t>(RE17): The software must provide a User </a:t>
           </a:r>
-          <a:endParaRPr lang="en-US" sz="2300" kern="1200" dirty="0"/>
+          <a:r>
+            <a:rPr lang="en-US" sz="2400" kern="1200" dirty="0" smtClean="0"/>
+            <a:t>the best possible solutions</a:t>
+          </a:r>
+          <a:r>
+            <a:rPr lang="en-US" sz="2400" kern="1200" dirty="0" smtClean="0"/>
+            <a:t>, according to his/her selected preferences, to get </a:t>
+          </a:r>
+          <a:r>
+            <a:rPr lang="en-US" sz="2400" kern="1200" dirty="0" smtClean="0"/>
+            <a:t>to the meeting. </a:t>
+          </a:r>
+          <a:endParaRPr lang="en-US" sz="2400" kern="1200" dirty="0"/>
         </a:p>
       </dsp:txBody>
       <dsp:txXfrm>
-        <a:off x="0" y="1282005"/>
-        <a:ext cx="10058399" cy="729675"/>
+        <a:off x="0" y="1257682"/>
+        <a:ext cx="10058399" cy="753997"/>
       </dsp:txXfrm>
     </dsp:sp>
     <dsp:sp modelId="{A8D55959-41DD-5943-89F4-681EEA6B550F}">
@@ -14796,7 +14842,7 @@
       <dsp:spPr>
         <a:xfrm>
           <a:off x="0" y="2011680"/>
-          <a:ext cx="10058399" cy="1193400"/>
+          <a:ext cx="10058399" cy="1233179"/>
         </a:xfrm>
         <a:prstGeom prst="roundRect">
           <a:avLst/>
@@ -14880,12 +14926,12 @@
         </a:fontRef>
       </dsp:style>
       <dsp:txBody>
-        <a:bodyPr spcFirstLastPara="0" vert="horz" wrap="square" lIns="114300" tIns="114300" rIns="114300" bIns="114300" numCol="1" spcCol="1270" anchor="ctr" anchorCtr="0">
+        <a:bodyPr spcFirstLastPara="0" vert="horz" wrap="square" lIns="118110" tIns="118110" rIns="118110" bIns="118110" numCol="1" spcCol="1270" anchor="ctr" anchorCtr="0">
           <a:noAutofit/>
         </a:bodyPr>
         <a:lstStyle/>
         <a:p>
-          <a:pPr lvl="0" algn="l" defTabSz="1333500">
+          <a:pPr lvl="0" algn="l" defTabSz="1377950">
             <a:lnSpc>
               <a:spcPct val="90000"/>
             </a:lnSpc>
@@ -14897,15 +14943,15 @@
             </a:spcAft>
           </a:pPr>
           <a:r>
-            <a:rPr lang="en-US" sz="3000" kern="1200" dirty="0" smtClean="0"/>
+            <a:rPr lang="en-US" sz="3100" kern="1200" dirty="0" smtClean="0"/>
             <a:t>Goal 13. The system must avoid overlaps in user's scheduled travels</a:t>
           </a:r>
-          <a:endParaRPr lang="ru-RU" sz="3000" kern="1200" dirty="0"/>
+          <a:endParaRPr lang="ru-RU" sz="3100" kern="1200" dirty="0"/>
         </a:p>
       </dsp:txBody>
       <dsp:txXfrm>
-        <a:off x="58257" y="2069937"/>
-        <a:ext cx="9941885" cy="1076886"/>
+        <a:off x="60199" y="2071879"/>
+        <a:ext cx="9938001" cy="1112781"/>
       </dsp:txXfrm>
     </dsp:sp>
     <dsp:sp modelId="{0AA7E7DF-6D4C-3943-BDDC-68F4C30F01B7}">
@@ -14915,8 +14961,8 @@
       </dsp:nvSpPr>
       <dsp:spPr>
         <a:xfrm>
-          <a:off x="0" y="3205080"/>
-          <a:ext cx="10058399" cy="729675"/>
+          <a:off x="0" y="3244859"/>
+          <a:ext cx="10058399" cy="753997"/>
         </a:xfrm>
         <a:prstGeom prst="rect">
           <a:avLst/>
@@ -14940,12 +14986,12 @@
         <a:fontRef idx="minor"/>
       </dsp:style>
       <dsp:txBody>
-        <a:bodyPr spcFirstLastPara="0" vert="horz" wrap="square" lIns="319354" tIns="38100" rIns="213360" bIns="38100" numCol="1" spcCol="1270" anchor="t" anchorCtr="0">
+        <a:bodyPr spcFirstLastPara="0" vert="horz" wrap="square" lIns="319354" tIns="39370" rIns="220472" bIns="39370" numCol="1" spcCol="1270" anchor="t" anchorCtr="0">
           <a:noAutofit/>
         </a:bodyPr>
         <a:lstStyle/>
         <a:p>
-          <a:pPr marL="228600" lvl="1" indent="-228600" algn="l" defTabSz="1022350">
+          <a:pPr marL="228600" lvl="1" indent="-228600" algn="l" defTabSz="1066800">
             <a:lnSpc>
               <a:spcPct val="90000"/>
             </a:lnSpc>
@@ -14958,15 +15004,15 @@
             <a:buChar char="•"/>
           </a:pPr>
           <a:r>
-            <a:rPr lang="en-US" sz="2300" kern="1200" dirty="0" smtClean="0"/>
+            <a:rPr lang="en-US" sz="2400" kern="1200" dirty="0" smtClean="0"/>
             <a:t>(RE13): If a route is not possible because of overlaps with other journeys, the application must deny that option and notify the user. </a:t>
           </a:r>
-          <a:endParaRPr lang="en-US" sz="2300" kern="1200" dirty="0"/>
+          <a:endParaRPr lang="en-US" sz="2400" kern="1200" dirty="0"/>
         </a:p>
       </dsp:txBody>
       <dsp:txXfrm>
-        <a:off x="0" y="3205080"/>
-        <a:ext cx="10058399" cy="729675"/>
+        <a:off x="0" y="3244859"/>
+        <a:ext cx="10058399" cy="753997"/>
       </dsp:txXfrm>
     </dsp:sp>
   </dsp:spTree>
@@ -32278,7 +32324,7 @@
         <p:spPr>
           <a:xfrm>
             <a:off x="3880624" y="1828800"/>
-            <a:ext cx="8084636" cy="4493942"/>
+            <a:ext cx="8207298" cy="4493942"/>
           </a:xfrm>
           <a:prstGeom prst="ellipse">
             <a:avLst/>
@@ -32316,8 +32362,8 @@
         </p:nvSpPr>
         <p:spPr>
           <a:xfrm>
-            <a:off x="946345" y="2825654"/>
-            <a:ext cx="3033278" cy="2893100"/>
+            <a:off x="1158188" y="2610211"/>
+            <a:ext cx="3033278" cy="3293209"/>
           </a:xfrm>
           <a:prstGeom prst="rect">
             <a:avLst/>
@@ -32335,11 +32381,11 @@
               <a:buChar char="•"/>
             </a:pPr>
             <a:r>
-              <a:rPr lang="en-US" sz="1400" dirty="0"/>
+              <a:rPr lang="en-US" sz="1600" dirty="0"/>
               <a:t>User arranges a new </a:t>
             </a:r>
             <a:r>
-              <a:rPr lang="en-US" sz="1400" dirty="0" smtClean="0"/>
+              <a:rPr lang="en-US" sz="1600" dirty="0" smtClean="0"/>
               <a:t>meeting</a:t>
             </a:r>
           </a:p>
@@ -32349,15 +32395,15 @@
               <a:buChar char="•"/>
             </a:pPr>
             <a:r>
-              <a:rPr lang="en-US" sz="1400" dirty="0" smtClean="0"/>
+              <a:rPr lang="en-US" sz="1600" dirty="0" smtClean="0"/>
               <a:t>User </a:t>
             </a:r>
             <a:r>
-              <a:rPr lang="en-US" sz="1400" dirty="0"/>
+              <a:rPr lang="en-US" sz="1600" dirty="0"/>
               <a:t>meets another </a:t>
             </a:r>
             <a:r>
-              <a:rPr lang="en-US" sz="1400" dirty="0" smtClean="0"/>
+              <a:rPr lang="en-US" sz="1600" dirty="0" smtClean="0"/>
               <a:t>person</a:t>
             </a:r>
           </a:p>
@@ -32367,15 +32413,15 @@
               <a:buChar char="•"/>
             </a:pPr>
             <a:r>
-              <a:rPr lang="en-US" sz="1400" dirty="0" smtClean="0"/>
+              <a:rPr lang="en-US" sz="1600" dirty="0" smtClean="0"/>
               <a:t>User </a:t>
             </a:r>
             <a:r>
-              <a:rPr lang="en-US" sz="1400" dirty="0"/>
+              <a:rPr lang="en-US" sz="1600" dirty="0"/>
               <a:t>leaves another </a:t>
             </a:r>
             <a:r>
-              <a:rPr lang="en-US" sz="1400" dirty="0" smtClean="0"/>
+              <a:rPr lang="en-US" sz="1600" dirty="0" smtClean="0"/>
               <a:t>person</a:t>
             </a:r>
           </a:p>
@@ -32385,15 +32431,15 @@
               <a:buChar char="•"/>
             </a:pPr>
             <a:r>
-              <a:rPr lang="en-US" sz="1400" dirty="0" smtClean="0"/>
+              <a:rPr lang="en-US" sz="1600" dirty="0" smtClean="0"/>
               <a:t>User </a:t>
             </a:r>
             <a:r>
-              <a:rPr lang="en-US" sz="1400" dirty="0"/>
+              <a:rPr lang="en-US" sz="1600" dirty="0"/>
               <a:t>has private travel means and/or passes for public </a:t>
             </a:r>
             <a:r>
-              <a:rPr lang="en-US" sz="1400" dirty="0" smtClean="0"/>
+              <a:rPr lang="en-US" sz="1600" dirty="0" smtClean="0"/>
               <a:t>transportation</a:t>
             </a:r>
           </a:p>
@@ -32403,15 +32449,15 @@
               <a:buChar char="•"/>
             </a:pPr>
             <a:r>
-              <a:rPr lang="en-US" sz="1400" dirty="0" smtClean="0"/>
+              <a:rPr lang="en-US" sz="1600" dirty="0" smtClean="0"/>
               <a:t>User </a:t>
             </a:r>
             <a:r>
-              <a:rPr lang="en-US" sz="1400" dirty="0"/>
+              <a:rPr lang="en-US" sz="1600" dirty="0"/>
               <a:t>gets </a:t>
             </a:r>
             <a:r>
-              <a:rPr lang="en-US" sz="1400" dirty="0" smtClean="0"/>
+              <a:rPr lang="en-US" sz="1600" dirty="0" smtClean="0"/>
               <a:t>up</a:t>
             </a:r>
           </a:p>
@@ -32421,7 +32467,7 @@
               <a:buChar char="•"/>
             </a:pPr>
             <a:r>
-              <a:rPr lang="en-US" sz="1400" dirty="0" smtClean="0"/>
+              <a:rPr lang="en-US" sz="1600" dirty="0" smtClean="0"/>
               <a:t>User moves</a:t>
             </a:r>
           </a:p>
@@ -32431,15 +32477,15 @@
               <a:buChar char="•"/>
             </a:pPr>
             <a:r>
-              <a:rPr lang="en-US" sz="1400" dirty="0" smtClean="0"/>
+              <a:rPr lang="en-US" sz="1600" dirty="0" smtClean="0"/>
               <a:t>Shared </a:t>
             </a:r>
             <a:r>
-              <a:rPr lang="en-US" sz="1400" dirty="0"/>
+              <a:rPr lang="en-US" sz="1600" dirty="0"/>
               <a:t>travel mean </a:t>
             </a:r>
             <a:r>
-              <a:rPr lang="en-US" sz="1400" dirty="0" smtClean="0"/>
+              <a:rPr lang="en-US" sz="1600" dirty="0" smtClean="0"/>
               <a:t>moves</a:t>
             </a:r>
           </a:p>
@@ -32449,15 +32495,15 @@
               <a:buChar char="•"/>
             </a:pPr>
             <a:r>
-              <a:rPr lang="en-US" sz="1400" dirty="0" smtClean="0"/>
+              <a:rPr lang="en-US" sz="1600" dirty="0" smtClean="0"/>
               <a:t>User's </a:t>
             </a:r>
             <a:r>
-              <a:rPr lang="en-US" sz="1400" dirty="0"/>
+              <a:rPr lang="en-US" sz="1600" dirty="0"/>
               <a:t>pass </a:t>
             </a:r>
             <a:r>
-              <a:rPr lang="en-US" sz="1400" dirty="0" smtClean="0"/>
+              <a:rPr lang="en-US" sz="1600" dirty="0" smtClean="0"/>
               <a:t>expires</a:t>
             </a:r>
           </a:p>
@@ -32467,21 +32513,21 @@
               <a:buChar char="•"/>
             </a:pPr>
             <a:r>
-              <a:rPr lang="en-US" sz="1400" dirty="0" smtClean="0"/>
+              <a:rPr lang="en-US" sz="1600" dirty="0" smtClean="0"/>
               <a:t>There </a:t>
             </a:r>
             <a:r>
-              <a:rPr lang="en-US" sz="1400" dirty="0"/>
+              <a:rPr lang="en-US" sz="1600" dirty="0"/>
               <a:t>are available various travel </a:t>
             </a:r>
             <a:r>
-              <a:rPr lang="en-US" sz="1400" dirty="0" smtClean="0"/>
+              <a:rPr lang="en-US" sz="1600" dirty="0" smtClean="0"/>
               <a:t>means</a:t>
             </a:r>
-            <a:endParaRPr lang="en-US" sz="1400" dirty="0"/>
+            <a:endParaRPr lang="en-US" sz="1600" dirty="0"/>
           </a:p>
           <a:p>
-            <a:endParaRPr lang="ru-RU" sz="1400" dirty="0"/>
+            <a:endParaRPr lang="ru-RU" sz="1600" dirty="0"/>
           </a:p>
         </p:txBody>
       </p:sp>
@@ -32754,8 +32800,8 @@
         </p:nvSpPr>
         <p:spPr>
           <a:xfrm>
-            <a:off x="8918399" y="2502490"/>
-            <a:ext cx="2962526" cy="2893100"/>
+            <a:off x="8604137" y="2254858"/>
+            <a:ext cx="2962526" cy="3539430"/>
           </a:xfrm>
           <a:prstGeom prst="rect">
             <a:avLst/>
@@ -32772,11 +32818,11 @@
               <a:buChar char="•"/>
             </a:pPr>
             <a:r>
-              <a:rPr lang="en-US" sz="1400" dirty="0"/>
+              <a:rPr lang="en-US" sz="1600" dirty="0"/>
               <a:t>meetings </a:t>
             </a:r>
             <a:r>
-              <a:rPr lang="en-US" sz="1400" dirty="0" smtClean="0"/>
+              <a:rPr lang="en-US" sz="1600" dirty="0" smtClean="0"/>
               <a:t>scheduling</a:t>
             </a:r>
           </a:p>
@@ -32786,23 +32832,23 @@
               <a:buChar char="•"/>
             </a:pPr>
             <a:r>
-              <a:rPr lang="en-US" sz="1400" dirty="0" smtClean="0"/>
+              <a:rPr lang="en-US" sz="1600" dirty="0" smtClean="0"/>
               <a:t>creating </a:t>
             </a:r>
             <a:r>
-              <a:rPr lang="en-US" sz="1400" dirty="0"/>
+              <a:rPr lang="en-US" sz="1600" dirty="0"/>
               <a:t>a new instance of </a:t>
             </a:r>
             <a:r>
-              <a:rPr lang="en-US" sz="1400" dirty="0" err="1"/>
-              <a:t>Travlendar's</a:t>
+              <a:rPr lang="en-US" sz="1600" dirty="0" err="1" smtClean="0"/>
+              <a:t>Travlendar</a:t>
             </a:r>
             <a:r>
-              <a:rPr lang="en-US" sz="1400" dirty="0"/>
-              <a:t> </a:t>
+              <a:rPr lang="en-US" sz="1600" dirty="0" smtClean="0"/>
+              <a:t>+'s </a:t>
             </a:r>
             <a:r>
-              <a:rPr lang="en-US" sz="1400" dirty="0" smtClean="0"/>
+              <a:rPr lang="en-US" sz="1600" dirty="0" smtClean="0"/>
               <a:t>classes</a:t>
             </a:r>
           </a:p>
@@ -32812,15 +32858,15 @@
               <a:buChar char="•"/>
             </a:pPr>
             <a:r>
-              <a:rPr lang="en-US" sz="1400" dirty="0" smtClean="0"/>
+              <a:rPr lang="en-US" sz="1600" dirty="0" smtClean="0"/>
               <a:t>database </a:t>
             </a:r>
             <a:r>
-              <a:rPr lang="en-US" sz="1400" dirty="0"/>
+              <a:rPr lang="en-US" sz="1600" dirty="0"/>
               <a:t>queries about </a:t>
             </a:r>
             <a:r>
-              <a:rPr lang="en-US" sz="1400" dirty="0" smtClean="0"/>
+              <a:rPr lang="en-US" sz="1600" dirty="0" smtClean="0"/>
               <a:t>Client</a:t>
             </a:r>
           </a:p>
@@ -32830,15 +32876,15 @@
               <a:buChar char="•"/>
             </a:pPr>
             <a:r>
-              <a:rPr lang="en-US" sz="1400" dirty="0" smtClean="0"/>
+              <a:rPr lang="en-US" sz="1600" dirty="0" smtClean="0"/>
               <a:t>storing </a:t>
             </a:r>
             <a:r>
-              <a:rPr lang="en-US" sz="1400" dirty="0"/>
+              <a:rPr lang="en-US" sz="1600" dirty="0"/>
               <a:t>routes' </a:t>
             </a:r>
             <a:r>
-              <a:rPr lang="en-US" sz="1400" dirty="0" smtClean="0"/>
+              <a:rPr lang="en-US" sz="1600" dirty="0" smtClean="0"/>
               <a:t>history</a:t>
             </a:r>
           </a:p>
@@ -32848,15 +32894,15 @@
               <a:buChar char="•"/>
             </a:pPr>
             <a:r>
-              <a:rPr lang="en-US" sz="1400" dirty="0" smtClean="0"/>
+              <a:rPr lang="en-US" sz="1600" dirty="0" smtClean="0"/>
               <a:t>computation </a:t>
             </a:r>
             <a:r>
-              <a:rPr lang="en-US" sz="1400" dirty="0"/>
+              <a:rPr lang="en-US" sz="1600" dirty="0"/>
               <a:t>the fastest </a:t>
             </a:r>
             <a:r>
-              <a:rPr lang="en-US" sz="1400" dirty="0" smtClean="0"/>
+              <a:rPr lang="en-US" sz="1600" dirty="0" smtClean="0"/>
               <a:t>path</a:t>
             </a:r>
           </a:p>
@@ -32866,15 +32912,15 @@
               <a:buChar char="•"/>
             </a:pPr>
             <a:r>
-              <a:rPr lang="en-US" sz="1400" dirty="0" smtClean="0"/>
+              <a:rPr lang="en-US" sz="1600" dirty="0" smtClean="0"/>
               <a:t>building </a:t>
             </a:r>
             <a:r>
-              <a:rPr lang="en-US" sz="1400" dirty="0"/>
+              <a:rPr lang="en-US" sz="1600" dirty="0"/>
               <a:t>the most ecological </a:t>
             </a:r>
             <a:r>
-              <a:rPr lang="en-US" sz="1400" dirty="0" smtClean="0"/>
+              <a:rPr lang="en-US" sz="1600" dirty="0" smtClean="0"/>
               <a:t>path</a:t>
             </a:r>
           </a:p>
@@ -32884,15 +32930,15 @@
               <a:buChar char="•"/>
             </a:pPr>
             <a:r>
-              <a:rPr lang="en-US" sz="1400" dirty="0" smtClean="0"/>
+              <a:rPr lang="en-US" sz="1600" dirty="0" smtClean="0"/>
               <a:t>transferring </a:t>
             </a:r>
             <a:r>
-              <a:rPr lang="en-US" sz="1400" dirty="0"/>
+              <a:rPr lang="en-US" sz="1600" dirty="0"/>
               <a:t>a User to external services with </a:t>
             </a:r>
             <a:r>
-              <a:rPr lang="en-US" sz="1400" dirty="0" smtClean="0"/>
+              <a:rPr lang="en-US" sz="1600" dirty="0" smtClean="0"/>
               <a:t>API</a:t>
             </a:r>
           </a:p>
@@ -32902,15 +32948,15 @@
               <a:buChar char="•"/>
             </a:pPr>
             <a:r>
-              <a:rPr lang="en-US" sz="1400" dirty="0" smtClean="0"/>
+              <a:rPr lang="en-US" sz="1600" dirty="0" smtClean="0"/>
               <a:t>generating </a:t>
             </a:r>
             <a:r>
-              <a:rPr lang="en-US" sz="1400" dirty="0"/>
+              <a:rPr lang="en-US" sz="1600" dirty="0"/>
               <a:t>a warning about unreachable </a:t>
             </a:r>
             <a:r>
-              <a:rPr lang="en-US" sz="1400" dirty="0" smtClean="0"/>
+              <a:rPr lang="en-US" sz="1600" dirty="0" smtClean="0"/>
               <a:t>time</a:t>
             </a:r>
           </a:p>
@@ -32920,22 +32966,22 @@
               <a:buChar char="•"/>
             </a:pPr>
             <a:r>
-              <a:rPr lang="en-US" sz="1400" dirty="0" smtClean="0"/>
+              <a:rPr lang="en-US" sz="1600" dirty="0" smtClean="0"/>
               <a:t>generating </a:t>
             </a:r>
             <a:r>
-              <a:rPr lang="en-US" sz="1400" dirty="0"/>
+              <a:rPr lang="en-US" sz="1600" dirty="0"/>
               <a:t>a </a:t>
             </a:r>
             <a:r>
-              <a:rPr lang="en-US" sz="1400" dirty="0" smtClean="0"/>
+              <a:rPr lang="en-US" sz="1600" dirty="0" smtClean="0"/>
               <a:t>notification </a:t>
             </a:r>
             <a:r>
-              <a:rPr lang="en-US" sz="1400" dirty="0"/>
+              <a:rPr lang="en-US" sz="1600" dirty="0"/>
               <a:t>about upcoming meeting </a:t>
             </a:r>
-            <a:endParaRPr lang="en-US" sz="1400" dirty="0">
+            <a:endParaRPr lang="en-US" sz="1600" dirty="0">
               <a:effectLst/>
             </a:endParaRPr>
           </a:p>
@@ -33029,980 +33075,6 @@
 </file>
 
 <file path=ppt/slides/slide13.xml><?xml version="1.0" encoding="utf-8"?>
-<p:sld xmlns:a="http://schemas.openxmlformats.org/drawingml/2006/main" xmlns:r="http://schemas.openxmlformats.org/officeDocument/2006/relationships" xmlns:p="http://schemas.openxmlformats.org/presentationml/2006/main">
-  <p:cSld>
-    <p:bg>
-      <p:bgPr>
-        <a:solidFill>
-          <a:schemeClr val="bg1"/>
-        </a:solidFill>
-        <a:effectLst/>
-      </p:bgPr>
-    </p:bg>
-    <p:spTree>
-      <p:nvGrpSpPr>
-        <p:cNvPr id="1" name=""/>
-        <p:cNvGrpSpPr/>
-        <p:nvPr/>
-      </p:nvGrpSpPr>
-      <p:grpSpPr>
-        <a:xfrm>
-          <a:off x="0" y="0"/>
-          <a:ext cx="0" cy="0"/>
-          <a:chOff x="0" y="0"/>
-          <a:chExt cx="0" cy="0"/>
-        </a:xfrm>
-      </p:grpSpPr>
-      <p:sp>
-        <p:nvSpPr>
-          <p:cNvPr id="18" name="Rectangle 17">
-            <a:extLst>
-              <a:ext uri="{FF2B5EF4-FFF2-40B4-BE49-F238E27FC236}">
-                <a16:creationId xmlns="" xmlns:a16="http://schemas.microsoft.com/office/drawing/2014/main" id="{F240A2FC-E2C3-458D-96B4-5DF9028D93A5}"/>
-              </a:ext>
-            </a:extLst>
-          </p:cNvPr>
-          <p:cNvSpPr>
-            <a:spLocks noGrp="1" noRot="1" noChangeAspect="1" noMove="1" noResize="1" noEditPoints="1" noAdjustHandles="1" noChangeArrowheads="1" noChangeShapeType="1" noTextEdit="1"/>
-          </p:cNvSpPr>
-          <p:nvPr>
-            <p:extLst>
-              <p:ext uri="{386F3935-93C4-4BCD-93E2-E3B085C9AB24}">
-                <p16:designElem xmlns:p16="http://schemas.microsoft.com/office/powerpoint/2015/main" val="1"/>
-              </p:ext>
-            </p:extLst>
-          </p:nvPr>
-        </p:nvSpPr>
-        <p:spPr>
-          <a:xfrm>
-            <a:off x="1" y="6400800"/>
-            <a:ext cx="12192000" cy="457200"/>
-          </a:xfrm>
-          <a:prstGeom prst="rect">
-            <a:avLst/>
-          </a:prstGeom>
-          <a:solidFill>
-            <a:schemeClr val="accent2"/>
-          </a:solidFill>
-          <a:ln>
-            <a:noFill/>
-          </a:ln>
-        </p:spPr>
-        <p:style>
-          <a:lnRef idx="2">
-            <a:schemeClr val="accent1">
-              <a:shade val="50000"/>
-            </a:schemeClr>
-          </a:lnRef>
-          <a:fillRef idx="1">
-            <a:schemeClr val="accent1"/>
-          </a:fillRef>
-          <a:effectRef idx="0">
-            <a:schemeClr val="accent1"/>
-          </a:effectRef>
-          <a:fontRef idx="minor">
-            <a:schemeClr val="lt1"/>
-          </a:fontRef>
-        </p:style>
-      </p:sp>
-      <p:sp>
-        <p:nvSpPr>
-          <p:cNvPr id="20" name="Rectangle 19">
-            <a:extLst>
-              <a:ext uri="{FF2B5EF4-FFF2-40B4-BE49-F238E27FC236}">
-                <a16:creationId xmlns="" xmlns:a16="http://schemas.microsoft.com/office/drawing/2014/main" id="{5F097929-F3D6-4D1F-8AFC-CF348171A9E1}"/>
-              </a:ext>
-            </a:extLst>
-          </p:cNvPr>
-          <p:cNvSpPr>
-            <a:spLocks noGrp="1" noRot="1" noChangeAspect="1" noMove="1" noResize="1" noEditPoints="1" noAdjustHandles="1" noChangeArrowheads="1" noChangeShapeType="1" noTextEdit="1"/>
-          </p:cNvSpPr>
-          <p:nvPr>
-            <p:extLst>
-              <p:ext uri="{386F3935-93C4-4BCD-93E2-E3B085C9AB24}">
-                <p16:designElem xmlns:p16="http://schemas.microsoft.com/office/powerpoint/2015/main" val="1"/>
-              </p:ext>
-            </p:extLst>
-          </p:nvPr>
-        </p:nvSpPr>
-        <p:spPr>
-          <a:xfrm>
-            <a:off x="1" y="6334316"/>
-            <a:ext cx="12192000" cy="66484"/>
-          </a:xfrm>
-          <a:prstGeom prst="rect">
-            <a:avLst/>
-          </a:prstGeom>
-          <a:solidFill>
-            <a:schemeClr val="accent1"/>
-          </a:solidFill>
-          <a:ln>
-            <a:noFill/>
-          </a:ln>
-        </p:spPr>
-        <p:style>
-          <a:lnRef idx="2">
-            <a:schemeClr val="accent1">
-              <a:shade val="50000"/>
-            </a:schemeClr>
-          </a:lnRef>
-          <a:fillRef idx="1">
-            <a:schemeClr val="accent1"/>
-          </a:fillRef>
-          <a:effectRef idx="0">
-            <a:schemeClr val="accent1"/>
-          </a:effectRef>
-          <a:fontRef idx="minor">
-            <a:schemeClr val="lt1"/>
-          </a:fontRef>
-        </p:style>
-      </p:sp>
-      <p:cxnSp>
-        <p:nvCxnSpPr>
-          <p:cNvPr id="22" name="Straight Connector 21">
-            <a:extLst>
-              <a:ext uri="{FF2B5EF4-FFF2-40B4-BE49-F238E27FC236}">
-                <a16:creationId xmlns="" xmlns:a16="http://schemas.microsoft.com/office/drawing/2014/main" id="{43074C91-9045-414B-B5F9-567DAE3EED25}"/>
-              </a:ext>
-            </a:extLst>
-          </p:cNvPr>
-          <p:cNvCxnSpPr>
-            <a:cxnSpLocks noGrp="1" noRot="1" noChangeAspect="1" noMove="1" noResize="1" noEditPoints="1" noAdjustHandles="1" noChangeArrowheads="1" noChangeShapeType="1"/>
-          </p:cNvCxnSpPr>
-          <p:nvPr>
-            <p:extLst>
-              <p:ext uri="{386F3935-93C4-4BCD-93E2-E3B085C9AB24}">
-                <p16:designElem xmlns:p16="http://schemas.microsoft.com/office/powerpoint/2015/main" val="1"/>
-              </p:ext>
-            </p:extLst>
-          </p:nvPr>
-        </p:nvCxnSpPr>
-        <p:spPr>
-          <a:xfrm>
-            <a:off x="1207658" y="4343400"/>
-            <a:ext cx="9875520" cy="0"/>
-          </a:xfrm>
-          <a:prstGeom prst="line">
-            <a:avLst/>
-          </a:prstGeom>
-          <a:ln w="6350">
-            <a:solidFill>
-              <a:schemeClr val="tx1">
-                <a:lumMod val="50000"/>
-                <a:lumOff val="50000"/>
-              </a:schemeClr>
-            </a:solidFill>
-          </a:ln>
-        </p:spPr>
-        <p:style>
-          <a:lnRef idx="1">
-            <a:schemeClr val="accent1"/>
-          </a:lnRef>
-          <a:fillRef idx="0">
-            <a:schemeClr val="accent1"/>
-          </a:fillRef>
-          <a:effectRef idx="0">
-            <a:schemeClr val="accent1"/>
-          </a:effectRef>
-          <a:fontRef idx="minor">
-            <a:schemeClr val="tx1"/>
-          </a:fontRef>
-        </p:style>
-      </p:cxnSp>
-      <p:sp useBgFill="1">
-        <p:nvSpPr>
-          <p:cNvPr id="24" name="Rectangle 23">
-            <a:extLst>
-              <a:ext uri="{FF2B5EF4-FFF2-40B4-BE49-F238E27FC236}">
-                <a16:creationId xmlns="" xmlns:a16="http://schemas.microsoft.com/office/drawing/2014/main" id="{33428ACC-71EC-4171-9527-10983BA6B41D}"/>
-              </a:ext>
-            </a:extLst>
-          </p:cNvPr>
-          <p:cNvSpPr>
-            <a:spLocks noGrp="1" noRot="1" noChangeAspect="1" noMove="1" noResize="1" noEditPoints="1" noAdjustHandles="1" noChangeArrowheads="1" noChangeShapeType="1" noTextEdit="1"/>
-          </p:cNvSpPr>
-          <p:nvPr>
-            <p:extLst>
-              <p:ext uri="{386F3935-93C4-4BCD-93E2-E3B085C9AB24}">
-                <p16:designElem xmlns:p16="http://schemas.microsoft.com/office/powerpoint/2015/main" val="1"/>
-              </p:ext>
-            </p:extLst>
-          </p:nvPr>
-        </p:nvSpPr>
-        <p:spPr>
-          <a:xfrm>
-            <a:off x="0" y="0"/>
-            <a:ext cx="12192001" cy="6334316"/>
-          </a:xfrm>
-          <a:prstGeom prst="rect">
-            <a:avLst/>
-          </a:prstGeom>
-          <a:ln>
-            <a:noFill/>
-          </a:ln>
-        </p:spPr>
-        <p:style>
-          <a:lnRef idx="2">
-            <a:schemeClr val="accent1">
-              <a:shade val="50000"/>
-            </a:schemeClr>
-          </a:lnRef>
-          <a:fillRef idx="1">
-            <a:schemeClr val="accent1"/>
-          </a:fillRef>
-          <a:effectRef idx="0">
-            <a:schemeClr val="accent1"/>
-          </a:effectRef>
-          <a:fontRef idx="minor">
-            <a:schemeClr val="lt1"/>
-          </a:fontRef>
-        </p:style>
-        <p:txBody>
-          <a:bodyPr rtlCol="0" anchor="ctr"/>
-          <a:lstStyle/>
-          <a:p>
-            <a:pPr algn="ctr"/>
-            <a:endParaRPr lang="en-US"/>
-          </a:p>
-        </p:txBody>
-      </p:sp>
-      <p:sp>
-        <p:nvSpPr>
-          <p:cNvPr id="26" name="Rectangle 25">
-            <a:extLst>
-              <a:ext uri="{FF2B5EF4-FFF2-40B4-BE49-F238E27FC236}">
-                <a16:creationId xmlns="" xmlns:a16="http://schemas.microsoft.com/office/drawing/2014/main" id="{78967BEA-EA6A-4FF1-94E2-B010B61A36A9}"/>
-              </a:ext>
-            </a:extLst>
-          </p:cNvPr>
-          <p:cNvSpPr>
-            <a:spLocks noGrp="1" noRot="1" noChangeAspect="1" noMove="1" noResize="1" noEditPoints="1" noAdjustHandles="1" noChangeArrowheads="1" noChangeShapeType="1" noTextEdit="1"/>
-          </p:cNvSpPr>
-          <p:nvPr>
-            <p:extLst>
-              <p:ext uri="{386F3935-93C4-4BCD-93E2-E3B085C9AB24}">
-                <p16:designElem xmlns:p16="http://schemas.microsoft.com/office/powerpoint/2015/main" val="1"/>
-              </p:ext>
-            </p:extLst>
-          </p:nvPr>
-        </p:nvSpPr>
-        <p:spPr>
-          <a:xfrm>
-            <a:off x="1" y="6400800"/>
-            <a:ext cx="12192000" cy="457200"/>
-          </a:xfrm>
-          <a:prstGeom prst="rect">
-            <a:avLst/>
-          </a:prstGeom>
-          <a:solidFill>
-            <a:schemeClr val="accent2"/>
-          </a:solidFill>
-          <a:ln>
-            <a:noFill/>
-          </a:ln>
-        </p:spPr>
-        <p:style>
-          <a:lnRef idx="2">
-            <a:schemeClr val="accent1">
-              <a:shade val="50000"/>
-            </a:schemeClr>
-          </a:lnRef>
-          <a:fillRef idx="1">
-            <a:schemeClr val="accent1"/>
-          </a:fillRef>
-          <a:effectRef idx="0">
-            <a:schemeClr val="accent1"/>
-          </a:effectRef>
-          <a:fontRef idx="minor">
-            <a:schemeClr val="lt1"/>
-          </a:fontRef>
-        </p:style>
-      </p:sp>
-      <p:sp>
-        <p:nvSpPr>
-          <p:cNvPr id="28" name="Rectangle 27">
-            <a:extLst>
-              <a:ext uri="{FF2B5EF4-FFF2-40B4-BE49-F238E27FC236}">
-                <a16:creationId xmlns="" xmlns:a16="http://schemas.microsoft.com/office/drawing/2014/main" id="{2B9BBBC4-97A3-47D2-BFFE-A68530CDB9DC}"/>
-              </a:ext>
-            </a:extLst>
-          </p:cNvPr>
-          <p:cNvSpPr>
-            <a:spLocks noGrp="1" noRot="1" noChangeAspect="1" noMove="1" noResize="1" noEditPoints="1" noAdjustHandles="1" noChangeArrowheads="1" noChangeShapeType="1" noTextEdit="1"/>
-          </p:cNvSpPr>
-          <p:nvPr>
-            <p:extLst>
-              <p:ext uri="{386F3935-93C4-4BCD-93E2-E3B085C9AB24}">
-                <p16:designElem xmlns:p16="http://schemas.microsoft.com/office/powerpoint/2015/main" val="1"/>
-              </p:ext>
-            </p:extLst>
-          </p:nvPr>
-        </p:nvSpPr>
-        <p:spPr>
-          <a:xfrm>
-            <a:off x="15" y="6334316"/>
-            <a:ext cx="12191985" cy="66484"/>
-          </a:xfrm>
-          <a:prstGeom prst="rect">
-            <a:avLst/>
-          </a:prstGeom>
-          <a:solidFill>
-            <a:schemeClr val="accent1"/>
-          </a:solidFill>
-          <a:ln>
-            <a:noFill/>
-          </a:ln>
-        </p:spPr>
-        <p:style>
-          <a:lnRef idx="2">
-            <a:schemeClr val="accent1">
-              <a:shade val="50000"/>
-            </a:schemeClr>
-          </a:lnRef>
-          <a:fillRef idx="1">
-            <a:schemeClr val="accent1"/>
-          </a:fillRef>
-          <a:effectRef idx="0">
-            <a:schemeClr val="accent1"/>
-          </a:effectRef>
-          <a:fontRef idx="minor">
-            <a:schemeClr val="lt1"/>
-          </a:fontRef>
-        </p:style>
-      </p:sp>
-      <p:cxnSp>
-        <p:nvCxnSpPr>
-          <p:cNvPr id="30" name="Straight Connector 29">
-            <a:extLst>
-              <a:ext uri="{FF2B5EF4-FFF2-40B4-BE49-F238E27FC236}">
-                <a16:creationId xmlns="" xmlns:a16="http://schemas.microsoft.com/office/drawing/2014/main" id="{BA22713B-ABB6-4391-97F9-0449A2B9B664}"/>
-              </a:ext>
-            </a:extLst>
-          </p:cNvPr>
-          <p:cNvCxnSpPr>
-            <a:cxnSpLocks noGrp="1" noRot="1" noChangeAspect="1" noMove="1" noResize="1" noEditPoints="1" noAdjustHandles="1" noChangeArrowheads="1" noChangeShapeType="1"/>
-          </p:cNvCxnSpPr>
-          <p:nvPr>
-            <p:extLst>
-              <p:ext uri="{386F3935-93C4-4BCD-93E2-E3B085C9AB24}">
-                <p16:designElem xmlns:p16="http://schemas.microsoft.com/office/powerpoint/2015/main" val="1"/>
-              </p:ext>
-            </p:extLst>
-          </p:nvPr>
-        </p:nvCxnSpPr>
-        <p:spPr>
-          <a:xfrm>
-            <a:off x="8209305" y="4343400"/>
-            <a:ext cx="3200400" cy="0"/>
-          </a:xfrm>
-          <a:prstGeom prst="line">
-            <a:avLst/>
-          </a:prstGeom>
-          <a:ln w="6350">
-            <a:solidFill>
-              <a:schemeClr val="tx2">
-                <a:alpha val="90000"/>
-              </a:schemeClr>
-            </a:solidFill>
-          </a:ln>
-        </p:spPr>
-        <p:style>
-          <a:lnRef idx="1">
-            <a:schemeClr val="accent1"/>
-          </a:lnRef>
-          <a:fillRef idx="0">
-            <a:schemeClr val="accent1"/>
-          </a:fillRef>
-          <a:effectRef idx="0">
-            <a:schemeClr val="accent1"/>
-          </a:effectRef>
-          <a:fontRef idx="minor">
-            <a:schemeClr val="tx1"/>
-          </a:fontRef>
-        </p:style>
-      </p:cxnSp>
-      <p:pic>
-        <p:nvPicPr>
-          <p:cNvPr id="15" name="Segnaposto contenuto 6">
-            <a:extLst>
-              <a:ext uri="{FF2B5EF4-FFF2-40B4-BE49-F238E27FC236}">
-                <a16:creationId xmlns="" xmlns:a16="http://schemas.microsoft.com/office/drawing/2014/main" id="{19640770-F7A3-4F31-95B3-8B74026CD0EA}"/>
-              </a:ext>
-            </a:extLst>
-          </p:cNvPr>
-          <p:cNvPicPr>
-            <a:picLocks noGrp="1" noChangeAspect="1"/>
-          </p:cNvPicPr>
-          <p:nvPr>
-            <p:ph idx="1"/>
-          </p:nvPr>
-        </p:nvPicPr>
-        <p:blipFill>
-          <a:blip r:embed="rId2"/>
-          <a:stretch>
-            <a:fillRect/>
-          </a:stretch>
-        </p:blipFill>
-        <p:spPr>
-          <a:xfrm>
-            <a:off x="633999" y="670121"/>
-            <a:ext cx="6912217" cy="4994076"/>
-          </a:xfrm>
-          <a:prstGeom prst="rect">
-            <a:avLst/>
-          </a:prstGeom>
-        </p:spPr>
-      </p:pic>
-      <p:sp>
-        <p:nvSpPr>
-          <p:cNvPr id="2" name="Titolo 1">
-            <a:extLst>
-              <a:ext uri="{FF2B5EF4-FFF2-40B4-BE49-F238E27FC236}">
-                <a16:creationId xmlns="" xmlns:a16="http://schemas.microsoft.com/office/drawing/2014/main" id="{AA47711C-7A2E-441C-BDE5-5D60CFB4B1AF}"/>
-              </a:ext>
-            </a:extLst>
-          </p:cNvPr>
-          <p:cNvSpPr>
-            <a:spLocks noGrp="1"/>
-          </p:cNvSpPr>
-          <p:nvPr>
-            <p:ph type="title"/>
-          </p:nvPr>
-        </p:nvSpPr>
-        <p:spPr>
-          <a:xfrm>
-            <a:off x="8141110" y="639097"/>
-            <a:ext cx="3401961" cy="3686015"/>
-          </a:xfrm>
-        </p:spPr>
-        <p:txBody>
-          <a:bodyPr vert="horz" lIns="91440" tIns="45720" rIns="91440" bIns="45720" rtlCol="0" anchor="b">
-            <a:normAutofit/>
-          </a:bodyPr>
-          <a:lstStyle/>
-          <a:p>
-            <a:r>
-              <a:rPr lang="en-US" sz="6600">
-                <a:solidFill>
-                  <a:schemeClr val="tx1">
-                    <a:lumMod val="85000"/>
-                    <a:lumOff val="15000"/>
-                  </a:schemeClr>
-                </a:solidFill>
-              </a:rPr>
-              <a:t>Proposed System</a:t>
-            </a:r>
-          </a:p>
-        </p:txBody>
-      </p:sp>
-    </p:spTree>
-    <p:extLst>
-      <p:ext uri="{BB962C8B-B14F-4D97-AF65-F5344CB8AC3E}">
-        <p14:creationId xmlns:p14="http://schemas.microsoft.com/office/powerpoint/2010/main" val="2280173412"/>
-      </p:ext>
-    </p:extLst>
-  </p:cSld>
-  <p:clrMapOvr>
-    <a:masterClrMapping/>
-  </p:clrMapOvr>
-  <p:timing>
-    <p:tnLst>
-      <p:par>
-        <p:cTn id="1" dur="indefinite" restart="never" nodeType="tmRoot"/>
-      </p:par>
-    </p:tnLst>
-  </p:timing>
-</p:sld>
-</file>
-
-<file path=ppt/slides/slide14.xml><?xml version="1.0" encoding="utf-8"?>
-<p:sld xmlns:a="http://schemas.openxmlformats.org/drawingml/2006/main" xmlns:r="http://schemas.openxmlformats.org/officeDocument/2006/relationships" xmlns:p="http://schemas.openxmlformats.org/presentationml/2006/main">
-  <p:cSld>
-    <p:bg>
-      <p:bgPr>
-        <a:solidFill>
-          <a:schemeClr val="bg1"/>
-        </a:solidFill>
-        <a:effectLst/>
-      </p:bgPr>
-    </p:bg>
-    <p:spTree>
-      <p:nvGrpSpPr>
-        <p:cNvPr id="1" name=""/>
-        <p:cNvGrpSpPr/>
-        <p:nvPr/>
-      </p:nvGrpSpPr>
-      <p:grpSpPr>
-        <a:xfrm>
-          <a:off x="0" y="0"/>
-          <a:ext cx="0" cy="0"/>
-          <a:chOff x="0" y="0"/>
-          <a:chExt cx="0" cy="0"/>
-        </a:xfrm>
-      </p:grpSpPr>
-      <p:sp>
-        <p:nvSpPr>
-          <p:cNvPr id="11" name="Rectangle 10">
-            <a:extLst>
-              <a:ext uri="{FF2B5EF4-FFF2-40B4-BE49-F238E27FC236}">
-                <a16:creationId xmlns="" xmlns:a16="http://schemas.microsoft.com/office/drawing/2014/main" id="{F240A2FC-E2C3-458D-96B4-5DF9028D93A5}"/>
-              </a:ext>
-            </a:extLst>
-          </p:cNvPr>
-          <p:cNvSpPr>
-            <a:spLocks noGrp="1" noRot="1" noChangeAspect="1" noMove="1" noResize="1" noEditPoints="1" noAdjustHandles="1" noChangeArrowheads="1" noChangeShapeType="1" noTextEdit="1"/>
-          </p:cNvSpPr>
-          <p:nvPr>
-            <p:extLst>
-              <p:ext uri="{386F3935-93C4-4BCD-93E2-E3B085C9AB24}">
-                <p16:designElem xmlns:p16="http://schemas.microsoft.com/office/powerpoint/2015/main" val="1"/>
-              </p:ext>
-            </p:extLst>
-          </p:nvPr>
-        </p:nvSpPr>
-        <p:spPr>
-          <a:xfrm>
-            <a:off x="1" y="6400800"/>
-            <a:ext cx="12192000" cy="457200"/>
-          </a:xfrm>
-          <a:prstGeom prst="rect">
-            <a:avLst/>
-          </a:prstGeom>
-          <a:solidFill>
-            <a:schemeClr val="accent2"/>
-          </a:solidFill>
-          <a:ln>
-            <a:noFill/>
-          </a:ln>
-        </p:spPr>
-        <p:style>
-          <a:lnRef idx="2">
-            <a:schemeClr val="accent1">
-              <a:shade val="50000"/>
-            </a:schemeClr>
-          </a:lnRef>
-          <a:fillRef idx="1">
-            <a:schemeClr val="accent1"/>
-          </a:fillRef>
-          <a:effectRef idx="0">
-            <a:schemeClr val="accent1"/>
-          </a:effectRef>
-          <a:fontRef idx="minor">
-            <a:schemeClr val="lt1"/>
-          </a:fontRef>
-        </p:style>
-      </p:sp>
-      <p:sp>
-        <p:nvSpPr>
-          <p:cNvPr id="13" name="Rectangle 12">
-            <a:extLst>
-              <a:ext uri="{FF2B5EF4-FFF2-40B4-BE49-F238E27FC236}">
-                <a16:creationId xmlns="" xmlns:a16="http://schemas.microsoft.com/office/drawing/2014/main" id="{5F097929-F3D6-4D1F-8AFC-CF348171A9E1}"/>
-              </a:ext>
-            </a:extLst>
-          </p:cNvPr>
-          <p:cNvSpPr>
-            <a:spLocks noGrp="1" noRot="1" noChangeAspect="1" noMove="1" noResize="1" noEditPoints="1" noAdjustHandles="1" noChangeArrowheads="1" noChangeShapeType="1" noTextEdit="1"/>
-          </p:cNvSpPr>
-          <p:nvPr>
-            <p:extLst>
-              <p:ext uri="{386F3935-93C4-4BCD-93E2-E3B085C9AB24}">
-                <p16:designElem xmlns:p16="http://schemas.microsoft.com/office/powerpoint/2015/main" val="1"/>
-              </p:ext>
-            </p:extLst>
-          </p:nvPr>
-        </p:nvSpPr>
-        <p:spPr>
-          <a:xfrm>
-            <a:off x="1" y="6334316"/>
-            <a:ext cx="12192000" cy="66484"/>
-          </a:xfrm>
-          <a:prstGeom prst="rect">
-            <a:avLst/>
-          </a:prstGeom>
-          <a:solidFill>
-            <a:schemeClr val="accent1"/>
-          </a:solidFill>
-          <a:ln>
-            <a:noFill/>
-          </a:ln>
-        </p:spPr>
-        <p:style>
-          <a:lnRef idx="2">
-            <a:schemeClr val="accent1">
-              <a:shade val="50000"/>
-            </a:schemeClr>
-          </a:lnRef>
-          <a:fillRef idx="1">
-            <a:schemeClr val="accent1"/>
-          </a:fillRef>
-          <a:effectRef idx="0">
-            <a:schemeClr val="accent1"/>
-          </a:effectRef>
-          <a:fontRef idx="minor">
-            <a:schemeClr val="lt1"/>
-          </a:fontRef>
-        </p:style>
-      </p:sp>
-      <p:cxnSp>
-        <p:nvCxnSpPr>
-          <p:cNvPr id="15" name="Straight Connector 14">
-            <a:extLst>
-              <a:ext uri="{FF2B5EF4-FFF2-40B4-BE49-F238E27FC236}">
-                <a16:creationId xmlns="" xmlns:a16="http://schemas.microsoft.com/office/drawing/2014/main" id="{43074C91-9045-414B-B5F9-567DAE3EED25}"/>
-              </a:ext>
-            </a:extLst>
-          </p:cNvPr>
-          <p:cNvCxnSpPr>
-            <a:cxnSpLocks noGrp="1" noRot="1" noChangeAspect="1" noMove="1" noResize="1" noEditPoints="1" noAdjustHandles="1" noChangeArrowheads="1" noChangeShapeType="1"/>
-          </p:cNvCxnSpPr>
-          <p:nvPr>
-            <p:extLst>
-              <p:ext uri="{386F3935-93C4-4BCD-93E2-E3B085C9AB24}">
-                <p16:designElem xmlns:p16="http://schemas.microsoft.com/office/powerpoint/2015/main" val="1"/>
-              </p:ext>
-            </p:extLst>
-          </p:nvPr>
-        </p:nvCxnSpPr>
-        <p:spPr>
-          <a:xfrm>
-            <a:off x="1207658" y="4343400"/>
-            <a:ext cx="9875520" cy="0"/>
-          </a:xfrm>
-          <a:prstGeom prst="line">
-            <a:avLst/>
-          </a:prstGeom>
-          <a:ln w="6350">
-            <a:solidFill>
-              <a:schemeClr val="tx1">
-                <a:lumMod val="50000"/>
-                <a:lumOff val="50000"/>
-              </a:schemeClr>
-            </a:solidFill>
-          </a:ln>
-        </p:spPr>
-        <p:style>
-          <a:lnRef idx="1">
-            <a:schemeClr val="accent1"/>
-          </a:lnRef>
-          <a:fillRef idx="0">
-            <a:schemeClr val="accent1"/>
-          </a:fillRef>
-          <a:effectRef idx="0">
-            <a:schemeClr val="accent1"/>
-          </a:effectRef>
-          <a:fontRef idx="minor">
-            <a:schemeClr val="tx1"/>
-          </a:fontRef>
-        </p:style>
-      </p:cxnSp>
-      <p:sp useBgFill="1">
-        <p:nvSpPr>
-          <p:cNvPr id="17" name="Rectangle 16">
-            <a:extLst>
-              <a:ext uri="{FF2B5EF4-FFF2-40B4-BE49-F238E27FC236}">
-                <a16:creationId xmlns="" xmlns:a16="http://schemas.microsoft.com/office/drawing/2014/main" id="{34461041-8413-4023-ABA7-9E499B0AD995}"/>
-              </a:ext>
-            </a:extLst>
-          </p:cNvPr>
-          <p:cNvSpPr>
-            <a:spLocks noGrp="1" noRot="1" noChangeAspect="1" noMove="1" noResize="1" noEditPoints="1" noAdjustHandles="1" noChangeArrowheads="1" noChangeShapeType="1" noTextEdit="1"/>
-          </p:cNvSpPr>
-          <p:nvPr>
-            <p:extLst>
-              <p:ext uri="{386F3935-93C4-4BCD-93E2-E3B085C9AB24}">
-                <p16:designElem xmlns:p16="http://schemas.microsoft.com/office/powerpoint/2015/main" val="1"/>
-              </p:ext>
-            </p:extLst>
-          </p:nvPr>
-        </p:nvSpPr>
-        <p:spPr>
-          <a:xfrm>
-            <a:off x="0" y="0"/>
-            <a:ext cx="12192001" cy="6334316"/>
-          </a:xfrm>
-          <a:prstGeom prst="rect">
-            <a:avLst/>
-          </a:prstGeom>
-          <a:ln>
-            <a:noFill/>
-          </a:ln>
-        </p:spPr>
-        <p:style>
-          <a:lnRef idx="2">
-            <a:schemeClr val="accent1">
-              <a:shade val="50000"/>
-            </a:schemeClr>
-          </a:lnRef>
-          <a:fillRef idx="1">
-            <a:schemeClr val="accent1"/>
-          </a:fillRef>
-          <a:effectRef idx="0">
-            <a:schemeClr val="accent1"/>
-          </a:effectRef>
-          <a:fontRef idx="minor">
-            <a:schemeClr val="lt1"/>
-          </a:fontRef>
-        </p:style>
-        <p:txBody>
-          <a:bodyPr rtlCol="0" anchor="ctr"/>
-          <a:lstStyle/>
-          <a:p>
-            <a:pPr algn="ctr"/>
-            <a:endParaRPr lang="en-US"/>
-          </a:p>
-        </p:txBody>
-      </p:sp>
-      <p:sp>
-        <p:nvSpPr>
-          <p:cNvPr id="19" name="Rectangle 18">
-            <a:extLst>
-              <a:ext uri="{FF2B5EF4-FFF2-40B4-BE49-F238E27FC236}">
-                <a16:creationId xmlns="" xmlns:a16="http://schemas.microsoft.com/office/drawing/2014/main" id="{95635077-9890-4CC8-9792-28743EBFE01D}"/>
-              </a:ext>
-            </a:extLst>
-          </p:cNvPr>
-          <p:cNvSpPr>
-            <a:spLocks noGrp="1" noRot="1" noChangeAspect="1" noMove="1" noResize="1" noEditPoints="1" noAdjustHandles="1" noChangeArrowheads="1" noChangeShapeType="1" noTextEdit="1"/>
-          </p:cNvSpPr>
-          <p:nvPr>
-            <p:extLst>
-              <p:ext uri="{386F3935-93C4-4BCD-93E2-E3B085C9AB24}">
-                <p16:designElem xmlns:p16="http://schemas.microsoft.com/office/powerpoint/2015/main" val="1"/>
-              </p:ext>
-            </p:extLst>
-          </p:nvPr>
-        </p:nvSpPr>
-        <p:spPr>
-          <a:xfrm>
-            <a:off x="1" y="6400800"/>
-            <a:ext cx="12192000" cy="457200"/>
-          </a:xfrm>
-          <a:prstGeom prst="rect">
-            <a:avLst/>
-          </a:prstGeom>
-          <a:solidFill>
-            <a:schemeClr val="accent2"/>
-          </a:solidFill>
-          <a:ln>
-            <a:noFill/>
-          </a:ln>
-        </p:spPr>
-        <p:style>
-          <a:lnRef idx="2">
-            <a:schemeClr val="accent1">
-              <a:shade val="50000"/>
-            </a:schemeClr>
-          </a:lnRef>
-          <a:fillRef idx="1">
-            <a:schemeClr val="accent1"/>
-          </a:fillRef>
-          <a:effectRef idx="0">
-            <a:schemeClr val="accent1"/>
-          </a:effectRef>
-          <a:fontRef idx="minor">
-            <a:schemeClr val="lt1"/>
-          </a:fontRef>
-        </p:style>
-      </p:sp>
-      <p:sp>
-        <p:nvSpPr>
-          <p:cNvPr id="21" name="Rectangle 20">
-            <a:extLst>
-              <a:ext uri="{FF2B5EF4-FFF2-40B4-BE49-F238E27FC236}">
-                <a16:creationId xmlns="" xmlns:a16="http://schemas.microsoft.com/office/drawing/2014/main" id="{D841E764-4629-49E0-994A-6F92FEFB9B5D}"/>
-              </a:ext>
-            </a:extLst>
-          </p:cNvPr>
-          <p:cNvSpPr>
-            <a:spLocks noGrp="1" noRot="1" noChangeAspect="1" noMove="1" noResize="1" noEditPoints="1" noAdjustHandles="1" noChangeArrowheads="1" noChangeShapeType="1" noTextEdit="1"/>
-          </p:cNvSpPr>
-          <p:nvPr>
-            <p:extLst>
-              <p:ext uri="{386F3935-93C4-4BCD-93E2-E3B085C9AB24}">
-                <p16:designElem xmlns:p16="http://schemas.microsoft.com/office/powerpoint/2015/main" val="1"/>
-              </p:ext>
-            </p:extLst>
-          </p:nvPr>
-        </p:nvSpPr>
-        <p:spPr>
-          <a:xfrm>
-            <a:off x="15" y="6334316"/>
-            <a:ext cx="12191985" cy="66484"/>
-          </a:xfrm>
-          <a:prstGeom prst="rect">
-            <a:avLst/>
-          </a:prstGeom>
-          <a:solidFill>
-            <a:schemeClr val="accent1"/>
-          </a:solidFill>
-          <a:ln>
-            <a:noFill/>
-          </a:ln>
-        </p:spPr>
-        <p:style>
-          <a:lnRef idx="2">
-            <a:schemeClr val="accent1">
-              <a:shade val="50000"/>
-            </a:schemeClr>
-          </a:lnRef>
-          <a:fillRef idx="1">
-            <a:schemeClr val="accent1"/>
-          </a:fillRef>
-          <a:effectRef idx="0">
-            <a:schemeClr val="accent1"/>
-          </a:effectRef>
-          <a:fontRef idx="minor">
-            <a:schemeClr val="lt1"/>
-          </a:fontRef>
-        </p:style>
-      </p:sp>
-      <p:cxnSp>
-        <p:nvCxnSpPr>
-          <p:cNvPr id="23" name="Straight Connector 22">
-            <a:extLst>
-              <a:ext uri="{FF2B5EF4-FFF2-40B4-BE49-F238E27FC236}">
-                <a16:creationId xmlns="" xmlns:a16="http://schemas.microsoft.com/office/drawing/2014/main" id="{F05BCF04-4702-43D0-BE8F-DBF6C2F65131}"/>
-              </a:ext>
-            </a:extLst>
-          </p:cNvPr>
-          <p:cNvCxnSpPr>
-            <a:cxnSpLocks noGrp="1" noRot="1" noChangeAspect="1" noMove="1" noResize="1" noEditPoints="1" noAdjustHandles="1" noChangeArrowheads="1" noChangeShapeType="1"/>
-          </p:cNvCxnSpPr>
-          <p:nvPr>
-            <p:extLst>
-              <p:ext uri="{386F3935-93C4-4BCD-93E2-E3B085C9AB24}">
-                <p16:designElem xmlns:p16="http://schemas.microsoft.com/office/powerpoint/2015/main" val="1"/>
-              </p:ext>
-            </p:extLst>
-          </p:nvPr>
-        </p:nvCxnSpPr>
-        <p:spPr>
-          <a:xfrm>
-            <a:off x="721086" y="5618770"/>
-            <a:ext cx="10515600" cy="0"/>
-          </a:xfrm>
-          <a:prstGeom prst="line">
-            <a:avLst/>
-          </a:prstGeom>
-          <a:ln w="6350">
-            <a:solidFill>
-              <a:schemeClr val="tx2">
-                <a:alpha val="90000"/>
-              </a:schemeClr>
-            </a:solidFill>
-          </a:ln>
-        </p:spPr>
-        <p:style>
-          <a:lnRef idx="1">
-            <a:schemeClr val="accent1"/>
-          </a:lnRef>
-          <a:fillRef idx="0">
-            <a:schemeClr val="accent1"/>
-          </a:fillRef>
-          <a:effectRef idx="0">
-            <a:schemeClr val="accent1"/>
-          </a:effectRef>
-          <a:fontRef idx="minor">
-            <a:schemeClr val="tx1"/>
-          </a:fontRef>
-        </p:style>
-      </p:cxnSp>
-      <p:pic>
-        <p:nvPicPr>
-          <p:cNvPr id="6" name="Segnaposto contenuto 4">
-            <a:extLst>
-              <a:ext uri="{FF2B5EF4-FFF2-40B4-BE49-F238E27FC236}">
-                <a16:creationId xmlns="" xmlns:a16="http://schemas.microsoft.com/office/drawing/2014/main" id="{8139A00E-CD6B-4166-B7B9-9D443B7955CA}"/>
-              </a:ext>
-            </a:extLst>
-          </p:cNvPr>
-          <p:cNvPicPr>
-            <a:picLocks noGrp="1" noChangeAspect="1"/>
-          </p:cNvPicPr>
-          <p:nvPr>
-            <p:ph idx="1"/>
-          </p:nvPr>
-        </p:nvPicPr>
-        <p:blipFill>
-          <a:blip r:embed="rId2"/>
-          <a:stretch>
-            <a:fillRect/>
-          </a:stretch>
-        </p:blipFill>
-        <p:spPr>
-          <a:xfrm>
-            <a:off x="229571" y="465388"/>
-            <a:ext cx="11810029" cy="5802444"/>
-          </a:xfrm>
-          <a:prstGeom prst="rect">
-            <a:avLst/>
-          </a:prstGeom>
-        </p:spPr>
-      </p:pic>
-      <p:sp>
-        <p:nvSpPr>
-          <p:cNvPr id="2" name="Titolo 1">
-            <a:extLst>
-              <a:ext uri="{FF2B5EF4-FFF2-40B4-BE49-F238E27FC236}">
-                <a16:creationId xmlns="" xmlns:a16="http://schemas.microsoft.com/office/drawing/2014/main" id="{0D56DBDB-59C1-4086-B810-02EF6EE13F32}"/>
-              </a:ext>
-            </a:extLst>
-          </p:cNvPr>
-          <p:cNvSpPr>
-            <a:spLocks noGrp="1"/>
-          </p:cNvSpPr>
-          <p:nvPr>
-            <p:ph type="title"/>
-          </p:nvPr>
-        </p:nvSpPr>
-        <p:spPr>
-          <a:xfrm>
-            <a:off x="5782149" y="-52467"/>
-            <a:ext cx="10909073" cy="1057655"/>
-          </a:xfrm>
-        </p:spPr>
-        <p:txBody>
-          <a:bodyPr vert="horz" lIns="91440" tIns="45720" rIns="91440" bIns="45720" rtlCol="0" anchor="b">
-            <a:normAutofit/>
-          </a:bodyPr>
-          <a:lstStyle/>
-          <a:p>
-            <a:r>
-              <a:rPr lang="en-US" sz="6000" dirty="0">
-                <a:solidFill>
-                  <a:schemeClr val="tx1">
-                    <a:lumMod val="85000"/>
-                    <a:lumOff val="15000"/>
-                  </a:schemeClr>
-                </a:solidFill>
-              </a:rPr>
-              <a:t>UML Class Diagram</a:t>
-            </a:r>
-          </a:p>
-        </p:txBody>
-      </p:sp>
-    </p:spTree>
-    <p:extLst>
-      <p:ext uri="{BB962C8B-B14F-4D97-AF65-F5344CB8AC3E}">
-        <p14:creationId xmlns:p14="http://schemas.microsoft.com/office/powerpoint/2010/main" val="1935489558"/>
-      </p:ext>
-    </p:extLst>
-  </p:cSld>
-  <p:clrMapOvr>
-    <a:masterClrMapping/>
-  </p:clrMapOvr>
-  <p:timing>
-    <p:tnLst>
-      <p:par>
-        <p:cTn id="1" dur="indefinite" restart="never" nodeType="tmRoot"/>
-      </p:par>
-    </p:tnLst>
-  </p:timing>
-</p:sld>
-</file>
-
-<file path=ppt/slides/slide15.xml><?xml version="1.0" encoding="utf-8"?>
 <p:sld xmlns:a="http://schemas.openxmlformats.org/drawingml/2006/main" xmlns:r="http://schemas.openxmlformats.org/officeDocument/2006/relationships" xmlns:p="http://schemas.openxmlformats.org/presentationml/2006/main">
   <p:cSld>
     <p:spTree>
@@ -34133,7 +33205,7 @@
 </p:sld>
 </file>
 
-<file path=ppt/slides/slide16.xml><?xml version="1.0" encoding="utf-8"?>
+<file path=ppt/slides/slide14.xml><?xml version="1.0" encoding="utf-8"?>
 <p:sld xmlns:a="http://schemas.openxmlformats.org/drawingml/2006/main" xmlns:r="http://schemas.openxmlformats.org/officeDocument/2006/relationships" xmlns:p="http://schemas.openxmlformats.org/presentationml/2006/main">
   <p:cSld>
     <p:spTree>
@@ -34261,7 +33333,7 @@
 </p:sld>
 </file>
 
-<file path=ppt/slides/slide17.xml><?xml version="1.0" encoding="utf-8"?>
+<file path=ppt/slides/slide15.xml><?xml version="1.0" encoding="utf-8"?>
 <p:sld xmlns:a="http://schemas.openxmlformats.org/drawingml/2006/main" xmlns:r="http://schemas.openxmlformats.org/officeDocument/2006/relationships" xmlns:p="http://schemas.openxmlformats.org/presentationml/2006/main">
   <p:cSld>
     <p:spTree>
@@ -34371,7 +33443,7 @@
             <p:ph sz="half" idx="2"/>
             <p:extLst>
               <p:ext uri="{D42A27DB-BD31-4B8C-83A1-F6EECF244321}">
-                <p14:modId xmlns:p14="http://schemas.microsoft.com/office/powerpoint/2010/main" val="1014875844"/>
+                <p14:modId xmlns:p14="http://schemas.microsoft.com/office/powerpoint/2010/main" val="2106058053"/>
               </p:ext>
             </p:extLst>
           </p:nvPr>
@@ -34634,7 +33706,31 @@
                         <a:rPr lang="en-US" sz="1400" dirty="0" smtClean="0">
                           <a:effectLst/>
                         </a:rPr>
-                        <a:t>The User checks if his/her current position and the arrival point has been correctly defined.</a:t>
+                        <a:t>The </a:t>
+                      </a:r>
+                      <a:r>
+                        <a:rPr lang="en-US" sz="1400" dirty="0" smtClean="0">
+                          <a:effectLst/>
+                        </a:rPr>
+                        <a:t>User</a:t>
+                      </a:r>
+                      <a:r>
+                        <a:rPr lang="en-US" sz="1400" baseline="0" dirty="0" smtClean="0">
+                          <a:effectLst/>
+                        </a:rPr>
+                        <a:t> </a:t>
+                      </a:r>
+                      <a:r>
+                        <a:rPr lang="en-US" sz="1400" dirty="0" smtClean="0">
+                          <a:effectLst/>
+                        </a:rPr>
+                        <a:t>checks </a:t>
+                      </a:r>
+                      <a:r>
+                        <a:rPr lang="en-US" sz="1400" dirty="0" smtClean="0">
+                          <a:effectLst/>
+                        </a:rPr>
+                        <a:t>if his/her current position and the arrival point has been correctly defined.</a:t>
                       </a:r>
                     </a:p>
                     <a:p>
@@ -34711,7 +33807,48 @@
                         <a:rPr lang="en-US" sz="1400" dirty="0" smtClean="0">
                           <a:effectLst/>
                         </a:rPr>
-                        <a:t>The User gets the set of routes to reach his/her destination. </a:t>
+                        <a:t>The User gets the set of </a:t>
+                      </a:r>
+                      <a:r>
+                        <a:rPr lang="en-US" sz="1400" dirty="0" smtClean="0">
+                          <a:effectLst/>
+                        </a:rPr>
+                        <a:t>available</a:t>
+                      </a:r>
+                      <a:r>
+                        <a:rPr lang="en-US" sz="1400" baseline="0" dirty="0" smtClean="0">
+                          <a:effectLst/>
+                        </a:rPr>
+                        <a:t> </a:t>
+                      </a:r>
+                      <a:r>
+                        <a:rPr lang="en-US" sz="1400" dirty="0" smtClean="0">
+                          <a:effectLst/>
+                        </a:rPr>
+                        <a:t>routes </a:t>
+                      </a:r>
+                      <a:r>
+                        <a:rPr lang="en-US" sz="1400" dirty="0" smtClean="0">
+                          <a:effectLst/>
+                        </a:rPr>
+                        <a:t>to reach his/her destination. </a:t>
+                      </a:r>
+                      <a:endParaRPr lang="en-US" sz="1400" dirty="0" smtClean="0">
+                        <a:effectLst/>
+                      </a:endParaRPr>
+                    </a:p>
+                    <a:p>
+                      <a:r>
+                        <a:rPr lang="en-US" sz="1400" dirty="0" smtClean="0">
+                          <a:effectLst/>
+                        </a:rPr>
+                        <a:t>The User is redirected to “Choose preferable</a:t>
+                      </a:r>
+                      <a:r>
+                        <a:rPr lang="en-US" sz="1400" baseline="0" dirty="0" smtClean="0">
+                          <a:effectLst/>
+                        </a:rPr>
+                        <a:t> transport means” page.</a:t>
                       </a:r>
                       <a:endParaRPr lang="en-US" sz="1050" dirty="0"/>
                     </a:p>
@@ -34847,133 +33984,7 @@
 </p:sld>
 </file>
 
-<file path=ppt/slides/slide18.xml><?xml version="1.0" encoding="utf-8"?>
-<p:sld xmlns:a="http://schemas.openxmlformats.org/drawingml/2006/main" xmlns:r="http://schemas.openxmlformats.org/officeDocument/2006/relationships" xmlns:p="http://schemas.openxmlformats.org/presentationml/2006/main">
-  <p:cSld>
-    <p:spTree>
-      <p:nvGrpSpPr>
-        <p:cNvPr id="1" name=""/>
-        <p:cNvGrpSpPr/>
-        <p:nvPr/>
-      </p:nvGrpSpPr>
-      <p:grpSpPr>
-        <a:xfrm>
-          <a:off x="0" y="0"/>
-          <a:ext cx="0" cy="0"/>
-          <a:chOff x="0" y="0"/>
-          <a:chExt cx="0" cy="0"/>
-        </a:xfrm>
-      </p:grpSpPr>
-      <p:sp>
-        <p:nvSpPr>
-          <p:cNvPr id="2" name="Titolo 1">
-            <a:extLst>
-              <a:ext uri="{FF2B5EF4-FFF2-40B4-BE49-F238E27FC236}">
-                <a16:creationId xmlns="" xmlns:a16="http://schemas.microsoft.com/office/drawing/2014/main" id="{0D56DBDB-59C1-4086-B810-02EF6EE13F32}"/>
-              </a:ext>
-            </a:extLst>
-          </p:cNvPr>
-          <p:cNvSpPr>
-            <a:spLocks noGrp="1"/>
-          </p:cNvSpPr>
-          <p:nvPr>
-            <p:ph type="title"/>
-          </p:nvPr>
-        </p:nvSpPr>
-        <p:spPr>
-          <a:xfrm>
-            <a:off x="1143241" y="134590"/>
-            <a:ext cx="10909073" cy="1057655"/>
-          </a:xfrm>
-        </p:spPr>
-        <p:txBody>
-          <a:bodyPr vert="horz" lIns="91440" tIns="45720" rIns="91440" bIns="45720" rtlCol="0" anchor="b">
-            <a:normAutofit/>
-          </a:bodyPr>
-          <a:lstStyle/>
-          <a:p>
-            <a:pPr algn="r"/>
-            <a:r>
-              <a:rPr lang="en-US" sz="6000" dirty="0">
-                <a:solidFill>
-                  <a:schemeClr val="tx1">
-                    <a:lumMod val="85000"/>
-                    <a:lumOff val="15000"/>
-                  </a:schemeClr>
-                </a:solidFill>
-              </a:rPr>
-              <a:t>UML </a:t>
-            </a:r>
-            <a:r>
-              <a:rPr lang="en-US" sz="6000" dirty="0" smtClean="0">
-                <a:solidFill>
-                  <a:schemeClr val="tx1">
-                    <a:lumMod val="85000"/>
-                    <a:lumOff val="15000"/>
-                  </a:schemeClr>
-                </a:solidFill>
-              </a:rPr>
-              <a:t>Activity </a:t>
-            </a:r>
-            <a:r>
-              <a:rPr lang="en-US" sz="6000" dirty="0">
-                <a:solidFill>
-                  <a:schemeClr val="tx1">
-                    <a:lumMod val="85000"/>
-                    <a:lumOff val="15000"/>
-                  </a:schemeClr>
-                </a:solidFill>
-              </a:rPr>
-              <a:t>Diagram</a:t>
-            </a:r>
-          </a:p>
-        </p:txBody>
-      </p:sp>
-      <p:pic>
-        <p:nvPicPr>
-          <p:cNvPr id="5" name="Content Placeholder 6"/>
-          <p:cNvPicPr>
-            <a:picLocks noChangeAspect="1"/>
-          </p:cNvPicPr>
-          <p:nvPr/>
-        </p:nvPicPr>
-        <p:blipFill>
-          <a:blip r:embed="rId2"/>
-          <a:stretch>
-            <a:fillRect/>
-          </a:stretch>
-        </p:blipFill>
-        <p:spPr>
-          <a:xfrm>
-            <a:off x="4226313" y="1757054"/>
-            <a:ext cx="3120637" cy="4281205"/>
-          </a:xfrm>
-          <a:prstGeom prst="rect">
-            <a:avLst/>
-          </a:prstGeom>
-        </p:spPr>
-      </p:pic>
-    </p:spTree>
-    <p:extLst>
-      <p:ext uri="{BB962C8B-B14F-4D97-AF65-F5344CB8AC3E}">
-        <p14:creationId xmlns:p14="http://schemas.microsoft.com/office/powerpoint/2010/main" val="2084216816"/>
-      </p:ext>
-    </p:extLst>
-  </p:cSld>
-  <p:clrMapOvr>
-    <a:masterClrMapping/>
-  </p:clrMapOvr>
-  <p:timing>
-    <p:tnLst>
-      <p:par>
-        <p:cTn id="1" dur="indefinite" restart="never" nodeType="tmRoot"/>
-      </p:par>
-    </p:tnLst>
-  </p:timing>
-</p:sld>
-</file>
-
-<file path=ppt/slides/slide19.xml><?xml version="1.0" encoding="utf-8"?>
+<file path=ppt/slides/slide16.xml><?xml version="1.0" encoding="utf-8"?>
 <p:sld xmlns:a="http://schemas.openxmlformats.org/drawingml/2006/main" xmlns:r="http://schemas.openxmlformats.org/officeDocument/2006/relationships" xmlns:p="http://schemas.openxmlformats.org/presentationml/2006/main">
   <p:cSld>
     <p:spTree>
@@ -35587,6 +34598,1149 @@
 </p:sld>
 </file>
 
+<file path=ppt/slides/slide17.xml><?xml version="1.0" encoding="utf-8"?>
+<p:sld xmlns:a="http://schemas.openxmlformats.org/drawingml/2006/main" xmlns:r="http://schemas.openxmlformats.org/officeDocument/2006/relationships" xmlns:p="http://schemas.openxmlformats.org/presentationml/2006/main">
+  <p:cSld>
+    <p:spTree>
+      <p:nvGrpSpPr>
+        <p:cNvPr id="1" name=""/>
+        <p:cNvGrpSpPr/>
+        <p:nvPr/>
+      </p:nvGrpSpPr>
+      <p:grpSpPr>
+        <a:xfrm>
+          <a:off x="0" y="0"/>
+          <a:ext cx="0" cy="0"/>
+          <a:chOff x="0" y="0"/>
+          <a:chExt cx="0" cy="0"/>
+        </a:xfrm>
+      </p:grpSpPr>
+      <p:sp>
+        <p:nvSpPr>
+          <p:cNvPr id="2" name="Titolo 1">
+            <a:extLst>
+              <a:ext uri="{FF2B5EF4-FFF2-40B4-BE49-F238E27FC236}">
+                <a16:creationId xmlns="" xmlns:a16="http://schemas.microsoft.com/office/drawing/2014/main" id="{0D56DBDB-59C1-4086-B810-02EF6EE13F32}"/>
+              </a:ext>
+            </a:extLst>
+          </p:cNvPr>
+          <p:cNvSpPr>
+            <a:spLocks noGrp="1"/>
+          </p:cNvSpPr>
+          <p:nvPr>
+            <p:ph type="title"/>
+          </p:nvPr>
+        </p:nvSpPr>
+        <p:spPr>
+          <a:xfrm>
+            <a:off x="1143241" y="134590"/>
+            <a:ext cx="10909073" cy="1057655"/>
+          </a:xfrm>
+        </p:spPr>
+        <p:txBody>
+          <a:bodyPr vert="horz" lIns="91440" tIns="45720" rIns="91440" bIns="45720" rtlCol="0" anchor="b">
+            <a:normAutofit/>
+          </a:bodyPr>
+          <a:lstStyle/>
+          <a:p>
+            <a:pPr algn="r"/>
+            <a:r>
+              <a:rPr lang="en-US" sz="6000" dirty="0">
+                <a:solidFill>
+                  <a:schemeClr val="tx1">
+                    <a:lumMod val="85000"/>
+                    <a:lumOff val="15000"/>
+                  </a:schemeClr>
+                </a:solidFill>
+              </a:rPr>
+              <a:t>UML </a:t>
+            </a:r>
+            <a:r>
+              <a:rPr lang="en-US" sz="6000" dirty="0" smtClean="0">
+                <a:solidFill>
+                  <a:schemeClr val="tx1">
+                    <a:lumMod val="85000"/>
+                    <a:lumOff val="15000"/>
+                  </a:schemeClr>
+                </a:solidFill>
+              </a:rPr>
+              <a:t>Sequence </a:t>
+            </a:r>
+            <a:r>
+              <a:rPr lang="en-US" sz="6000" dirty="0">
+                <a:solidFill>
+                  <a:schemeClr val="tx1">
+                    <a:lumMod val="85000"/>
+                    <a:lumOff val="15000"/>
+                  </a:schemeClr>
+                </a:solidFill>
+              </a:rPr>
+              <a:t>Diagram</a:t>
+            </a:r>
+          </a:p>
+        </p:txBody>
+      </p:sp>
+      <p:pic>
+        <p:nvPicPr>
+          <p:cNvPr id="4" name="Picture 6"/>
+          <p:cNvPicPr>
+            <a:picLocks noChangeAspect="1"/>
+          </p:cNvPicPr>
+          <p:nvPr/>
+        </p:nvPicPr>
+        <p:blipFill rotWithShape="1">
+          <a:blip r:embed="rId2"/>
+          <a:srcRect l="24633" t="22391" r="35622" b="24427"/>
+          <a:stretch/>
+        </p:blipFill>
+        <p:spPr>
+          <a:xfrm>
+            <a:off x="3659430" y="1790390"/>
+            <a:ext cx="5876694" cy="4423183"/>
+          </a:xfrm>
+          <a:prstGeom prst="rect">
+            <a:avLst/>
+          </a:prstGeom>
+        </p:spPr>
+      </p:pic>
+    </p:spTree>
+    <p:extLst>
+      <p:ext uri="{BB962C8B-B14F-4D97-AF65-F5344CB8AC3E}">
+        <p14:creationId xmlns:p14="http://schemas.microsoft.com/office/powerpoint/2010/main" val="314150138"/>
+      </p:ext>
+    </p:extLst>
+  </p:cSld>
+  <p:clrMapOvr>
+    <a:masterClrMapping/>
+  </p:clrMapOvr>
+  <p:timing>
+    <p:tnLst>
+      <p:par>
+        <p:cTn id="1" dur="indefinite" restart="never" nodeType="tmRoot"/>
+      </p:par>
+    </p:tnLst>
+  </p:timing>
+</p:sld>
+</file>
+
+<file path=ppt/slides/slide18.xml><?xml version="1.0" encoding="utf-8"?>
+<p:sld xmlns:a="http://schemas.openxmlformats.org/drawingml/2006/main" xmlns:r="http://schemas.openxmlformats.org/officeDocument/2006/relationships" xmlns:p="http://schemas.openxmlformats.org/presentationml/2006/main">
+  <p:cSld>
+    <p:bg>
+      <p:bgPr>
+        <a:solidFill>
+          <a:schemeClr val="bg1"/>
+        </a:solidFill>
+        <a:effectLst/>
+      </p:bgPr>
+    </p:bg>
+    <p:spTree>
+      <p:nvGrpSpPr>
+        <p:cNvPr id="1" name=""/>
+        <p:cNvGrpSpPr/>
+        <p:nvPr/>
+      </p:nvGrpSpPr>
+      <p:grpSpPr>
+        <a:xfrm>
+          <a:off x="0" y="0"/>
+          <a:ext cx="0" cy="0"/>
+          <a:chOff x="0" y="0"/>
+          <a:chExt cx="0" cy="0"/>
+        </a:xfrm>
+      </p:grpSpPr>
+      <p:sp>
+        <p:nvSpPr>
+          <p:cNvPr id="18" name="Rectangle 17">
+            <a:extLst>
+              <a:ext uri="{FF2B5EF4-FFF2-40B4-BE49-F238E27FC236}">
+                <a16:creationId xmlns="" xmlns:a16="http://schemas.microsoft.com/office/drawing/2014/main" id="{F240A2FC-E2C3-458D-96B4-5DF9028D93A5}"/>
+              </a:ext>
+            </a:extLst>
+          </p:cNvPr>
+          <p:cNvSpPr>
+            <a:spLocks noGrp="1" noRot="1" noChangeAspect="1" noMove="1" noResize="1" noEditPoints="1" noAdjustHandles="1" noChangeArrowheads="1" noChangeShapeType="1" noTextEdit="1"/>
+          </p:cNvSpPr>
+          <p:nvPr>
+            <p:extLst>
+              <p:ext uri="{386F3935-93C4-4BCD-93E2-E3B085C9AB24}">
+                <p16:designElem xmlns:p16="http://schemas.microsoft.com/office/powerpoint/2015/main" val="1"/>
+              </p:ext>
+            </p:extLst>
+          </p:nvPr>
+        </p:nvSpPr>
+        <p:spPr>
+          <a:xfrm>
+            <a:off x="1" y="6400800"/>
+            <a:ext cx="12192000" cy="457200"/>
+          </a:xfrm>
+          <a:prstGeom prst="rect">
+            <a:avLst/>
+          </a:prstGeom>
+          <a:solidFill>
+            <a:schemeClr val="accent2"/>
+          </a:solidFill>
+          <a:ln>
+            <a:noFill/>
+          </a:ln>
+        </p:spPr>
+        <p:style>
+          <a:lnRef idx="2">
+            <a:schemeClr val="accent1">
+              <a:shade val="50000"/>
+            </a:schemeClr>
+          </a:lnRef>
+          <a:fillRef idx="1">
+            <a:schemeClr val="accent1"/>
+          </a:fillRef>
+          <a:effectRef idx="0">
+            <a:schemeClr val="accent1"/>
+          </a:effectRef>
+          <a:fontRef idx="minor">
+            <a:schemeClr val="lt1"/>
+          </a:fontRef>
+        </p:style>
+      </p:sp>
+      <p:sp>
+        <p:nvSpPr>
+          <p:cNvPr id="20" name="Rectangle 19">
+            <a:extLst>
+              <a:ext uri="{FF2B5EF4-FFF2-40B4-BE49-F238E27FC236}">
+                <a16:creationId xmlns="" xmlns:a16="http://schemas.microsoft.com/office/drawing/2014/main" id="{5F097929-F3D6-4D1F-8AFC-CF348171A9E1}"/>
+              </a:ext>
+            </a:extLst>
+          </p:cNvPr>
+          <p:cNvSpPr>
+            <a:spLocks noGrp="1" noRot="1" noChangeAspect="1" noMove="1" noResize="1" noEditPoints="1" noAdjustHandles="1" noChangeArrowheads="1" noChangeShapeType="1" noTextEdit="1"/>
+          </p:cNvSpPr>
+          <p:nvPr>
+            <p:extLst>
+              <p:ext uri="{386F3935-93C4-4BCD-93E2-E3B085C9AB24}">
+                <p16:designElem xmlns:p16="http://schemas.microsoft.com/office/powerpoint/2015/main" val="1"/>
+              </p:ext>
+            </p:extLst>
+          </p:nvPr>
+        </p:nvSpPr>
+        <p:spPr>
+          <a:xfrm>
+            <a:off x="1" y="6334316"/>
+            <a:ext cx="12192000" cy="66484"/>
+          </a:xfrm>
+          <a:prstGeom prst="rect">
+            <a:avLst/>
+          </a:prstGeom>
+          <a:solidFill>
+            <a:schemeClr val="accent1"/>
+          </a:solidFill>
+          <a:ln>
+            <a:noFill/>
+          </a:ln>
+        </p:spPr>
+        <p:style>
+          <a:lnRef idx="2">
+            <a:schemeClr val="accent1">
+              <a:shade val="50000"/>
+            </a:schemeClr>
+          </a:lnRef>
+          <a:fillRef idx="1">
+            <a:schemeClr val="accent1"/>
+          </a:fillRef>
+          <a:effectRef idx="0">
+            <a:schemeClr val="accent1"/>
+          </a:effectRef>
+          <a:fontRef idx="minor">
+            <a:schemeClr val="lt1"/>
+          </a:fontRef>
+        </p:style>
+      </p:sp>
+      <p:cxnSp>
+        <p:nvCxnSpPr>
+          <p:cNvPr id="22" name="Straight Connector 21">
+            <a:extLst>
+              <a:ext uri="{FF2B5EF4-FFF2-40B4-BE49-F238E27FC236}">
+                <a16:creationId xmlns="" xmlns:a16="http://schemas.microsoft.com/office/drawing/2014/main" id="{43074C91-9045-414B-B5F9-567DAE3EED25}"/>
+              </a:ext>
+            </a:extLst>
+          </p:cNvPr>
+          <p:cNvCxnSpPr>
+            <a:cxnSpLocks noGrp="1" noRot="1" noChangeAspect="1" noMove="1" noResize="1" noEditPoints="1" noAdjustHandles="1" noChangeArrowheads="1" noChangeShapeType="1"/>
+          </p:cNvCxnSpPr>
+          <p:nvPr>
+            <p:extLst>
+              <p:ext uri="{386F3935-93C4-4BCD-93E2-E3B085C9AB24}">
+                <p16:designElem xmlns:p16="http://schemas.microsoft.com/office/powerpoint/2015/main" val="1"/>
+              </p:ext>
+            </p:extLst>
+          </p:nvPr>
+        </p:nvCxnSpPr>
+        <p:spPr>
+          <a:xfrm>
+            <a:off x="1207658" y="4343400"/>
+            <a:ext cx="9875520" cy="0"/>
+          </a:xfrm>
+          <a:prstGeom prst="line">
+            <a:avLst/>
+          </a:prstGeom>
+          <a:ln w="6350">
+            <a:solidFill>
+              <a:schemeClr val="tx1">
+                <a:lumMod val="50000"/>
+                <a:lumOff val="50000"/>
+              </a:schemeClr>
+            </a:solidFill>
+          </a:ln>
+        </p:spPr>
+        <p:style>
+          <a:lnRef idx="1">
+            <a:schemeClr val="accent1"/>
+          </a:lnRef>
+          <a:fillRef idx="0">
+            <a:schemeClr val="accent1"/>
+          </a:fillRef>
+          <a:effectRef idx="0">
+            <a:schemeClr val="accent1"/>
+          </a:effectRef>
+          <a:fontRef idx="minor">
+            <a:schemeClr val="tx1"/>
+          </a:fontRef>
+        </p:style>
+      </p:cxnSp>
+      <p:sp useBgFill="1">
+        <p:nvSpPr>
+          <p:cNvPr id="24" name="Rectangle 23">
+            <a:extLst>
+              <a:ext uri="{FF2B5EF4-FFF2-40B4-BE49-F238E27FC236}">
+                <a16:creationId xmlns="" xmlns:a16="http://schemas.microsoft.com/office/drawing/2014/main" id="{33428ACC-71EC-4171-9527-10983BA6B41D}"/>
+              </a:ext>
+            </a:extLst>
+          </p:cNvPr>
+          <p:cNvSpPr>
+            <a:spLocks noGrp="1" noRot="1" noChangeAspect="1" noMove="1" noResize="1" noEditPoints="1" noAdjustHandles="1" noChangeArrowheads="1" noChangeShapeType="1" noTextEdit="1"/>
+          </p:cNvSpPr>
+          <p:nvPr>
+            <p:extLst>
+              <p:ext uri="{386F3935-93C4-4BCD-93E2-E3B085C9AB24}">
+                <p16:designElem xmlns:p16="http://schemas.microsoft.com/office/powerpoint/2015/main" val="1"/>
+              </p:ext>
+            </p:extLst>
+          </p:nvPr>
+        </p:nvSpPr>
+        <p:spPr>
+          <a:xfrm>
+            <a:off x="0" y="0"/>
+            <a:ext cx="12192001" cy="6334316"/>
+          </a:xfrm>
+          <a:prstGeom prst="rect">
+            <a:avLst/>
+          </a:prstGeom>
+          <a:ln>
+            <a:noFill/>
+          </a:ln>
+        </p:spPr>
+        <p:style>
+          <a:lnRef idx="2">
+            <a:schemeClr val="accent1">
+              <a:shade val="50000"/>
+            </a:schemeClr>
+          </a:lnRef>
+          <a:fillRef idx="1">
+            <a:schemeClr val="accent1"/>
+          </a:fillRef>
+          <a:effectRef idx="0">
+            <a:schemeClr val="accent1"/>
+          </a:effectRef>
+          <a:fontRef idx="minor">
+            <a:schemeClr val="lt1"/>
+          </a:fontRef>
+        </p:style>
+        <p:txBody>
+          <a:bodyPr rtlCol="0" anchor="ctr"/>
+          <a:lstStyle/>
+          <a:p>
+            <a:pPr algn="ctr"/>
+            <a:endParaRPr lang="en-US"/>
+          </a:p>
+        </p:txBody>
+      </p:sp>
+      <p:sp>
+        <p:nvSpPr>
+          <p:cNvPr id="26" name="Rectangle 25">
+            <a:extLst>
+              <a:ext uri="{FF2B5EF4-FFF2-40B4-BE49-F238E27FC236}">
+                <a16:creationId xmlns="" xmlns:a16="http://schemas.microsoft.com/office/drawing/2014/main" id="{78967BEA-EA6A-4FF1-94E2-B010B61A36A9}"/>
+              </a:ext>
+            </a:extLst>
+          </p:cNvPr>
+          <p:cNvSpPr>
+            <a:spLocks noGrp="1" noRot="1" noChangeAspect="1" noMove="1" noResize="1" noEditPoints="1" noAdjustHandles="1" noChangeArrowheads="1" noChangeShapeType="1" noTextEdit="1"/>
+          </p:cNvSpPr>
+          <p:nvPr>
+            <p:extLst>
+              <p:ext uri="{386F3935-93C4-4BCD-93E2-E3B085C9AB24}">
+                <p16:designElem xmlns:p16="http://schemas.microsoft.com/office/powerpoint/2015/main" val="1"/>
+              </p:ext>
+            </p:extLst>
+          </p:nvPr>
+        </p:nvSpPr>
+        <p:spPr>
+          <a:xfrm>
+            <a:off x="1" y="6400800"/>
+            <a:ext cx="12192000" cy="457200"/>
+          </a:xfrm>
+          <a:prstGeom prst="rect">
+            <a:avLst/>
+          </a:prstGeom>
+          <a:solidFill>
+            <a:schemeClr val="accent2"/>
+          </a:solidFill>
+          <a:ln>
+            <a:noFill/>
+          </a:ln>
+        </p:spPr>
+        <p:style>
+          <a:lnRef idx="2">
+            <a:schemeClr val="accent1">
+              <a:shade val="50000"/>
+            </a:schemeClr>
+          </a:lnRef>
+          <a:fillRef idx="1">
+            <a:schemeClr val="accent1"/>
+          </a:fillRef>
+          <a:effectRef idx="0">
+            <a:schemeClr val="accent1"/>
+          </a:effectRef>
+          <a:fontRef idx="minor">
+            <a:schemeClr val="lt1"/>
+          </a:fontRef>
+        </p:style>
+      </p:sp>
+      <p:sp>
+        <p:nvSpPr>
+          <p:cNvPr id="28" name="Rectangle 27">
+            <a:extLst>
+              <a:ext uri="{FF2B5EF4-FFF2-40B4-BE49-F238E27FC236}">
+                <a16:creationId xmlns="" xmlns:a16="http://schemas.microsoft.com/office/drawing/2014/main" id="{2B9BBBC4-97A3-47D2-BFFE-A68530CDB9DC}"/>
+              </a:ext>
+            </a:extLst>
+          </p:cNvPr>
+          <p:cNvSpPr>
+            <a:spLocks noGrp="1" noRot="1" noChangeAspect="1" noMove="1" noResize="1" noEditPoints="1" noAdjustHandles="1" noChangeArrowheads="1" noChangeShapeType="1" noTextEdit="1"/>
+          </p:cNvSpPr>
+          <p:nvPr>
+            <p:extLst>
+              <p:ext uri="{386F3935-93C4-4BCD-93E2-E3B085C9AB24}">
+                <p16:designElem xmlns:p16="http://schemas.microsoft.com/office/powerpoint/2015/main" val="1"/>
+              </p:ext>
+            </p:extLst>
+          </p:nvPr>
+        </p:nvSpPr>
+        <p:spPr>
+          <a:xfrm>
+            <a:off x="15" y="6334316"/>
+            <a:ext cx="12191985" cy="66484"/>
+          </a:xfrm>
+          <a:prstGeom prst="rect">
+            <a:avLst/>
+          </a:prstGeom>
+          <a:solidFill>
+            <a:schemeClr val="accent1"/>
+          </a:solidFill>
+          <a:ln>
+            <a:noFill/>
+          </a:ln>
+        </p:spPr>
+        <p:style>
+          <a:lnRef idx="2">
+            <a:schemeClr val="accent1">
+              <a:shade val="50000"/>
+            </a:schemeClr>
+          </a:lnRef>
+          <a:fillRef idx="1">
+            <a:schemeClr val="accent1"/>
+          </a:fillRef>
+          <a:effectRef idx="0">
+            <a:schemeClr val="accent1"/>
+          </a:effectRef>
+          <a:fontRef idx="minor">
+            <a:schemeClr val="lt1"/>
+          </a:fontRef>
+        </p:style>
+      </p:sp>
+      <p:cxnSp>
+        <p:nvCxnSpPr>
+          <p:cNvPr id="30" name="Straight Connector 29">
+            <a:extLst>
+              <a:ext uri="{FF2B5EF4-FFF2-40B4-BE49-F238E27FC236}">
+                <a16:creationId xmlns="" xmlns:a16="http://schemas.microsoft.com/office/drawing/2014/main" id="{BA22713B-ABB6-4391-97F9-0449A2B9B664}"/>
+              </a:ext>
+            </a:extLst>
+          </p:cNvPr>
+          <p:cNvCxnSpPr>
+            <a:cxnSpLocks noGrp="1" noRot="1" noChangeAspect="1" noMove="1" noResize="1" noEditPoints="1" noAdjustHandles="1" noChangeArrowheads="1" noChangeShapeType="1"/>
+          </p:cNvCxnSpPr>
+          <p:nvPr>
+            <p:extLst>
+              <p:ext uri="{386F3935-93C4-4BCD-93E2-E3B085C9AB24}">
+                <p16:designElem xmlns:p16="http://schemas.microsoft.com/office/powerpoint/2015/main" val="1"/>
+              </p:ext>
+            </p:extLst>
+          </p:nvPr>
+        </p:nvCxnSpPr>
+        <p:spPr>
+          <a:xfrm>
+            <a:off x="8209305" y="4343400"/>
+            <a:ext cx="3200400" cy="0"/>
+          </a:xfrm>
+          <a:prstGeom prst="line">
+            <a:avLst/>
+          </a:prstGeom>
+          <a:ln w="6350">
+            <a:solidFill>
+              <a:schemeClr val="tx2">
+                <a:alpha val="90000"/>
+              </a:schemeClr>
+            </a:solidFill>
+          </a:ln>
+        </p:spPr>
+        <p:style>
+          <a:lnRef idx="1">
+            <a:schemeClr val="accent1"/>
+          </a:lnRef>
+          <a:fillRef idx="0">
+            <a:schemeClr val="accent1"/>
+          </a:fillRef>
+          <a:effectRef idx="0">
+            <a:schemeClr val="accent1"/>
+          </a:effectRef>
+          <a:fontRef idx="minor">
+            <a:schemeClr val="tx1"/>
+          </a:fontRef>
+        </p:style>
+      </p:cxnSp>
+      <p:sp>
+        <p:nvSpPr>
+          <p:cNvPr id="2" name="Titolo 1">
+            <a:extLst>
+              <a:ext uri="{FF2B5EF4-FFF2-40B4-BE49-F238E27FC236}">
+                <a16:creationId xmlns="" xmlns:a16="http://schemas.microsoft.com/office/drawing/2014/main" id="{AA47711C-7A2E-441C-BDE5-5D60CFB4B1AF}"/>
+              </a:ext>
+            </a:extLst>
+          </p:cNvPr>
+          <p:cNvSpPr>
+            <a:spLocks noGrp="1"/>
+          </p:cNvSpPr>
+          <p:nvPr>
+            <p:ph type="title"/>
+          </p:nvPr>
+        </p:nvSpPr>
+        <p:spPr>
+          <a:xfrm>
+            <a:off x="8141110" y="639097"/>
+            <a:ext cx="3401961" cy="3686015"/>
+          </a:xfrm>
+        </p:spPr>
+        <p:txBody>
+          <a:bodyPr vert="horz" lIns="91440" tIns="45720" rIns="91440" bIns="45720" rtlCol="0" anchor="b">
+            <a:normAutofit/>
+          </a:bodyPr>
+          <a:lstStyle/>
+          <a:p>
+            <a:r>
+              <a:rPr lang="en-US" sz="6600">
+                <a:solidFill>
+                  <a:schemeClr val="tx1">
+                    <a:lumMod val="85000"/>
+                    <a:lumOff val="15000"/>
+                  </a:schemeClr>
+                </a:solidFill>
+              </a:rPr>
+              <a:t>Proposed System</a:t>
+            </a:r>
+          </a:p>
+        </p:txBody>
+      </p:sp>
+      <p:pic>
+        <p:nvPicPr>
+          <p:cNvPr id="12" name="Объект 3"/>
+          <p:cNvPicPr>
+            <a:picLocks noGrp="1" noChangeAspect="1"/>
+          </p:cNvPicPr>
+          <p:nvPr>
+            <p:ph idx="1"/>
+          </p:nvPr>
+        </p:nvPicPr>
+        <p:blipFill rotWithShape="1">
+          <a:blip r:embed="rId2">
+            <a:extLst>
+              <a:ext uri="{28A0092B-C50C-407E-A947-70E740481C1C}">
+                <a14:useLocalDpi xmlns:a14="http://schemas.microsoft.com/office/drawing/2010/main" val="0"/>
+              </a:ext>
+            </a:extLst>
+          </a:blip>
+          <a:srcRect r="14391"/>
+          <a:stretch/>
+        </p:blipFill>
+        <p:spPr>
+          <a:xfrm>
+            <a:off x="369272" y="947854"/>
+            <a:ext cx="6711752" cy="4787320"/>
+          </a:xfrm>
+        </p:spPr>
+      </p:pic>
+      <p:sp>
+        <p:nvSpPr>
+          <p:cNvPr id="4" name="Прямоугольник 3"/>
+          <p:cNvSpPr/>
+          <p:nvPr/>
+        </p:nvSpPr>
+        <p:spPr>
+          <a:xfrm>
+            <a:off x="6668429" y="2482104"/>
+            <a:ext cx="412595" cy="312234"/>
+          </a:xfrm>
+          <a:prstGeom prst="rect">
+            <a:avLst/>
+          </a:prstGeom>
+          <a:solidFill>
+            <a:schemeClr val="bg1"/>
+          </a:solidFill>
+          <a:ln>
+            <a:solidFill>
+              <a:schemeClr val="bg1"/>
+            </a:solidFill>
+          </a:ln>
+        </p:spPr>
+        <p:style>
+          <a:lnRef idx="2">
+            <a:schemeClr val="accent1">
+              <a:shade val="50000"/>
+            </a:schemeClr>
+          </a:lnRef>
+          <a:fillRef idx="1">
+            <a:schemeClr val="accent1"/>
+          </a:fillRef>
+          <a:effectRef idx="0">
+            <a:schemeClr val="accent1"/>
+          </a:effectRef>
+          <a:fontRef idx="minor">
+            <a:schemeClr val="lt1"/>
+          </a:fontRef>
+        </p:style>
+        <p:txBody>
+          <a:bodyPr rtlCol="0" anchor="ctr"/>
+          <a:lstStyle/>
+          <a:p>
+            <a:pPr algn="ctr"/>
+            <a:endParaRPr lang="ru-RU"/>
+          </a:p>
+        </p:txBody>
+      </p:sp>
+    </p:spTree>
+    <p:extLst>
+      <p:ext uri="{BB962C8B-B14F-4D97-AF65-F5344CB8AC3E}">
+        <p14:creationId xmlns:p14="http://schemas.microsoft.com/office/powerpoint/2010/main" val="2280173412"/>
+      </p:ext>
+    </p:extLst>
+  </p:cSld>
+  <p:clrMapOvr>
+    <a:masterClrMapping/>
+  </p:clrMapOvr>
+  <p:timing>
+    <p:tnLst>
+      <p:par>
+        <p:cTn id="1" dur="indefinite" restart="never" nodeType="tmRoot"/>
+      </p:par>
+    </p:tnLst>
+  </p:timing>
+</p:sld>
+</file>
+
+<file path=ppt/slides/slide19.xml><?xml version="1.0" encoding="utf-8"?>
+<p:sld xmlns:a="http://schemas.openxmlformats.org/drawingml/2006/main" xmlns:r="http://schemas.openxmlformats.org/officeDocument/2006/relationships" xmlns:p="http://schemas.openxmlformats.org/presentationml/2006/main">
+  <p:cSld>
+    <p:bg>
+      <p:bgPr>
+        <a:solidFill>
+          <a:schemeClr val="bg1"/>
+        </a:solidFill>
+        <a:effectLst/>
+      </p:bgPr>
+    </p:bg>
+    <p:spTree>
+      <p:nvGrpSpPr>
+        <p:cNvPr id="1" name=""/>
+        <p:cNvGrpSpPr/>
+        <p:nvPr/>
+      </p:nvGrpSpPr>
+      <p:grpSpPr>
+        <a:xfrm>
+          <a:off x="0" y="0"/>
+          <a:ext cx="0" cy="0"/>
+          <a:chOff x="0" y="0"/>
+          <a:chExt cx="0" cy="0"/>
+        </a:xfrm>
+      </p:grpSpPr>
+      <p:sp>
+        <p:nvSpPr>
+          <p:cNvPr id="11" name="Rectangle 10">
+            <a:extLst>
+              <a:ext uri="{FF2B5EF4-FFF2-40B4-BE49-F238E27FC236}">
+                <a16:creationId xmlns="" xmlns:a16="http://schemas.microsoft.com/office/drawing/2014/main" id="{F240A2FC-E2C3-458D-96B4-5DF9028D93A5}"/>
+              </a:ext>
+            </a:extLst>
+          </p:cNvPr>
+          <p:cNvSpPr>
+            <a:spLocks noGrp="1" noRot="1" noChangeAspect="1" noMove="1" noResize="1" noEditPoints="1" noAdjustHandles="1" noChangeArrowheads="1" noChangeShapeType="1" noTextEdit="1"/>
+          </p:cNvSpPr>
+          <p:nvPr>
+            <p:extLst>
+              <p:ext uri="{386F3935-93C4-4BCD-93E2-E3B085C9AB24}">
+                <p16:designElem xmlns:p16="http://schemas.microsoft.com/office/powerpoint/2015/main" val="1"/>
+              </p:ext>
+            </p:extLst>
+          </p:nvPr>
+        </p:nvSpPr>
+        <p:spPr>
+          <a:xfrm>
+            <a:off x="1" y="6400800"/>
+            <a:ext cx="12192000" cy="457200"/>
+          </a:xfrm>
+          <a:prstGeom prst="rect">
+            <a:avLst/>
+          </a:prstGeom>
+          <a:solidFill>
+            <a:schemeClr val="accent2"/>
+          </a:solidFill>
+          <a:ln>
+            <a:noFill/>
+          </a:ln>
+        </p:spPr>
+        <p:style>
+          <a:lnRef idx="2">
+            <a:schemeClr val="accent1">
+              <a:shade val="50000"/>
+            </a:schemeClr>
+          </a:lnRef>
+          <a:fillRef idx="1">
+            <a:schemeClr val="accent1"/>
+          </a:fillRef>
+          <a:effectRef idx="0">
+            <a:schemeClr val="accent1"/>
+          </a:effectRef>
+          <a:fontRef idx="minor">
+            <a:schemeClr val="lt1"/>
+          </a:fontRef>
+        </p:style>
+      </p:sp>
+      <p:sp>
+        <p:nvSpPr>
+          <p:cNvPr id="13" name="Rectangle 12">
+            <a:extLst>
+              <a:ext uri="{FF2B5EF4-FFF2-40B4-BE49-F238E27FC236}">
+                <a16:creationId xmlns="" xmlns:a16="http://schemas.microsoft.com/office/drawing/2014/main" id="{5F097929-F3D6-4D1F-8AFC-CF348171A9E1}"/>
+              </a:ext>
+            </a:extLst>
+          </p:cNvPr>
+          <p:cNvSpPr>
+            <a:spLocks noGrp="1" noRot="1" noChangeAspect="1" noMove="1" noResize="1" noEditPoints="1" noAdjustHandles="1" noChangeArrowheads="1" noChangeShapeType="1" noTextEdit="1"/>
+          </p:cNvSpPr>
+          <p:nvPr>
+            <p:extLst>
+              <p:ext uri="{386F3935-93C4-4BCD-93E2-E3B085C9AB24}">
+                <p16:designElem xmlns:p16="http://schemas.microsoft.com/office/powerpoint/2015/main" val="1"/>
+              </p:ext>
+            </p:extLst>
+          </p:nvPr>
+        </p:nvSpPr>
+        <p:spPr>
+          <a:xfrm>
+            <a:off x="1" y="6334316"/>
+            <a:ext cx="12192000" cy="66484"/>
+          </a:xfrm>
+          <a:prstGeom prst="rect">
+            <a:avLst/>
+          </a:prstGeom>
+          <a:solidFill>
+            <a:schemeClr val="accent1"/>
+          </a:solidFill>
+          <a:ln>
+            <a:noFill/>
+          </a:ln>
+        </p:spPr>
+        <p:style>
+          <a:lnRef idx="2">
+            <a:schemeClr val="accent1">
+              <a:shade val="50000"/>
+            </a:schemeClr>
+          </a:lnRef>
+          <a:fillRef idx="1">
+            <a:schemeClr val="accent1"/>
+          </a:fillRef>
+          <a:effectRef idx="0">
+            <a:schemeClr val="accent1"/>
+          </a:effectRef>
+          <a:fontRef idx="minor">
+            <a:schemeClr val="lt1"/>
+          </a:fontRef>
+        </p:style>
+      </p:sp>
+      <p:cxnSp>
+        <p:nvCxnSpPr>
+          <p:cNvPr id="15" name="Straight Connector 14">
+            <a:extLst>
+              <a:ext uri="{FF2B5EF4-FFF2-40B4-BE49-F238E27FC236}">
+                <a16:creationId xmlns="" xmlns:a16="http://schemas.microsoft.com/office/drawing/2014/main" id="{43074C91-9045-414B-B5F9-567DAE3EED25}"/>
+              </a:ext>
+            </a:extLst>
+          </p:cNvPr>
+          <p:cNvCxnSpPr>
+            <a:cxnSpLocks noGrp="1" noRot="1" noChangeAspect="1" noMove="1" noResize="1" noEditPoints="1" noAdjustHandles="1" noChangeArrowheads="1" noChangeShapeType="1"/>
+          </p:cNvCxnSpPr>
+          <p:nvPr>
+            <p:extLst>
+              <p:ext uri="{386F3935-93C4-4BCD-93E2-E3B085C9AB24}">
+                <p16:designElem xmlns:p16="http://schemas.microsoft.com/office/powerpoint/2015/main" val="1"/>
+              </p:ext>
+            </p:extLst>
+          </p:nvPr>
+        </p:nvCxnSpPr>
+        <p:spPr>
+          <a:xfrm>
+            <a:off x="1207658" y="4343400"/>
+            <a:ext cx="9875520" cy="0"/>
+          </a:xfrm>
+          <a:prstGeom prst="line">
+            <a:avLst/>
+          </a:prstGeom>
+          <a:ln w="6350">
+            <a:solidFill>
+              <a:schemeClr val="tx1">
+                <a:lumMod val="50000"/>
+                <a:lumOff val="50000"/>
+              </a:schemeClr>
+            </a:solidFill>
+          </a:ln>
+        </p:spPr>
+        <p:style>
+          <a:lnRef idx="1">
+            <a:schemeClr val="accent1"/>
+          </a:lnRef>
+          <a:fillRef idx="0">
+            <a:schemeClr val="accent1"/>
+          </a:fillRef>
+          <a:effectRef idx="0">
+            <a:schemeClr val="accent1"/>
+          </a:effectRef>
+          <a:fontRef idx="minor">
+            <a:schemeClr val="tx1"/>
+          </a:fontRef>
+        </p:style>
+      </p:cxnSp>
+      <p:sp useBgFill="1">
+        <p:nvSpPr>
+          <p:cNvPr id="17" name="Rectangle 16">
+            <a:extLst>
+              <a:ext uri="{FF2B5EF4-FFF2-40B4-BE49-F238E27FC236}">
+                <a16:creationId xmlns="" xmlns:a16="http://schemas.microsoft.com/office/drawing/2014/main" id="{34461041-8413-4023-ABA7-9E499B0AD995}"/>
+              </a:ext>
+            </a:extLst>
+          </p:cNvPr>
+          <p:cNvSpPr>
+            <a:spLocks noGrp="1" noRot="1" noChangeAspect="1" noMove="1" noResize="1" noEditPoints="1" noAdjustHandles="1" noChangeArrowheads="1" noChangeShapeType="1" noTextEdit="1"/>
+          </p:cNvSpPr>
+          <p:nvPr>
+            <p:extLst>
+              <p:ext uri="{386F3935-93C4-4BCD-93E2-E3B085C9AB24}">
+                <p16:designElem xmlns:p16="http://schemas.microsoft.com/office/powerpoint/2015/main" val="1"/>
+              </p:ext>
+            </p:extLst>
+          </p:nvPr>
+        </p:nvSpPr>
+        <p:spPr>
+          <a:xfrm>
+            <a:off x="0" y="0"/>
+            <a:ext cx="12192001" cy="6334316"/>
+          </a:xfrm>
+          <a:prstGeom prst="rect">
+            <a:avLst/>
+          </a:prstGeom>
+          <a:ln>
+            <a:noFill/>
+          </a:ln>
+        </p:spPr>
+        <p:style>
+          <a:lnRef idx="2">
+            <a:schemeClr val="accent1">
+              <a:shade val="50000"/>
+            </a:schemeClr>
+          </a:lnRef>
+          <a:fillRef idx="1">
+            <a:schemeClr val="accent1"/>
+          </a:fillRef>
+          <a:effectRef idx="0">
+            <a:schemeClr val="accent1"/>
+          </a:effectRef>
+          <a:fontRef idx="minor">
+            <a:schemeClr val="lt1"/>
+          </a:fontRef>
+        </p:style>
+        <p:txBody>
+          <a:bodyPr rtlCol="0" anchor="ctr"/>
+          <a:lstStyle/>
+          <a:p>
+            <a:pPr algn="ctr"/>
+            <a:endParaRPr lang="en-US"/>
+          </a:p>
+        </p:txBody>
+      </p:sp>
+      <p:sp>
+        <p:nvSpPr>
+          <p:cNvPr id="19" name="Rectangle 18">
+            <a:extLst>
+              <a:ext uri="{FF2B5EF4-FFF2-40B4-BE49-F238E27FC236}">
+                <a16:creationId xmlns="" xmlns:a16="http://schemas.microsoft.com/office/drawing/2014/main" id="{95635077-9890-4CC8-9792-28743EBFE01D}"/>
+              </a:ext>
+            </a:extLst>
+          </p:cNvPr>
+          <p:cNvSpPr>
+            <a:spLocks noGrp="1" noRot="1" noChangeAspect="1" noMove="1" noResize="1" noEditPoints="1" noAdjustHandles="1" noChangeArrowheads="1" noChangeShapeType="1" noTextEdit="1"/>
+          </p:cNvSpPr>
+          <p:nvPr>
+            <p:extLst>
+              <p:ext uri="{386F3935-93C4-4BCD-93E2-E3B085C9AB24}">
+                <p16:designElem xmlns:p16="http://schemas.microsoft.com/office/powerpoint/2015/main" val="1"/>
+              </p:ext>
+            </p:extLst>
+          </p:nvPr>
+        </p:nvSpPr>
+        <p:spPr>
+          <a:xfrm>
+            <a:off x="1" y="6400800"/>
+            <a:ext cx="12192000" cy="457200"/>
+          </a:xfrm>
+          <a:prstGeom prst="rect">
+            <a:avLst/>
+          </a:prstGeom>
+          <a:solidFill>
+            <a:schemeClr val="accent2"/>
+          </a:solidFill>
+          <a:ln>
+            <a:noFill/>
+          </a:ln>
+        </p:spPr>
+        <p:style>
+          <a:lnRef idx="2">
+            <a:schemeClr val="accent1">
+              <a:shade val="50000"/>
+            </a:schemeClr>
+          </a:lnRef>
+          <a:fillRef idx="1">
+            <a:schemeClr val="accent1"/>
+          </a:fillRef>
+          <a:effectRef idx="0">
+            <a:schemeClr val="accent1"/>
+          </a:effectRef>
+          <a:fontRef idx="minor">
+            <a:schemeClr val="lt1"/>
+          </a:fontRef>
+        </p:style>
+      </p:sp>
+      <p:sp>
+        <p:nvSpPr>
+          <p:cNvPr id="21" name="Rectangle 20">
+            <a:extLst>
+              <a:ext uri="{FF2B5EF4-FFF2-40B4-BE49-F238E27FC236}">
+                <a16:creationId xmlns="" xmlns:a16="http://schemas.microsoft.com/office/drawing/2014/main" id="{D841E764-4629-49E0-994A-6F92FEFB9B5D}"/>
+              </a:ext>
+            </a:extLst>
+          </p:cNvPr>
+          <p:cNvSpPr>
+            <a:spLocks noGrp="1" noRot="1" noChangeAspect="1" noMove="1" noResize="1" noEditPoints="1" noAdjustHandles="1" noChangeArrowheads="1" noChangeShapeType="1" noTextEdit="1"/>
+          </p:cNvSpPr>
+          <p:nvPr>
+            <p:extLst>
+              <p:ext uri="{386F3935-93C4-4BCD-93E2-E3B085C9AB24}">
+                <p16:designElem xmlns:p16="http://schemas.microsoft.com/office/powerpoint/2015/main" val="1"/>
+              </p:ext>
+            </p:extLst>
+          </p:nvPr>
+        </p:nvSpPr>
+        <p:spPr>
+          <a:xfrm>
+            <a:off x="15" y="6334316"/>
+            <a:ext cx="12191985" cy="66484"/>
+          </a:xfrm>
+          <a:prstGeom prst="rect">
+            <a:avLst/>
+          </a:prstGeom>
+          <a:solidFill>
+            <a:schemeClr val="accent1"/>
+          </a:solidFill>
+          <a:ln>
+            <a:noFill/>
+          </a:ln>
+        </p:spPr>
+        <p:style>
+          <a:lnRef idx="2">
+            <a:schemeClr val="accent1">
+              <a:shade val="50000"/>
+            </a:schemeClr>
+          </a:lnRef>
+          <a:fillRef idx="1">
+            <a:schemeClr val="accent1"/>
+          </a:fillRef>
+          <a:effectRef idx="0">
+            <a:schemeClr val="accent1"/>
+          </a:effectRef>
+          <a:fontRef idx="minor">
+            <a:schemeClr val="lt1"/>
+          </a:fontRef>
+        </p:style>
+      </p:sp>
+      <p:cxnSp>
+        <p:nvCxnSpPr>
+          <p:cNvPr id="23" name="Straight Connector 22">
+            <a:extLst>
+              <a:ext uri="{FF2B5EF4-FFF2-40B4-BE49-F238E27FC236}">
+                <a16:creationId xmlns="" xmlns:a16="http://schemas.microsoft.com/office/drawing/2014/main" id="{F05BCF04-4702-43D0-BE8F-DBF6C2F65131}"/>
+              </a:ext>
+            </a:extLst>
+          </p:cNvPr>
+          <p:cNvCxnSpPr>
+            <a:cxnSpLocks noGrp="1" noRot="1" noChangeAspect="1" noMove="1" noResize="1" noEditPoints="1" noAdjustHandles="1" noChangeArrowheads="1" noChangeShapeType="1"/>
+          </p:cNvCxnSpPr>
+          <p:nvPr>
+            <p:extLst>
+              <p:ext uri="{386F3935-93C4-4BCD-93E2-E3B085C9AB24}">
+                <p16:designElem xmlns:p16="http://schemas.microsoft.com/office/powerpoint/2015/main" val="1"/>
+              </p:ext>
+            </p:extLst>
+          </p:nvPr>
+        </p:nvCxnSpPr>
+        <p:spPr>
+          <a:xfrm>
+            <a:off x="721086" y="5618770"/>
+            <a:ext cx="10515600" cy="0"/>
+          </a:xfrm>
+          <a:prstGeom prst="line">
+            <a:avLst/>
+          </a:prstGeom>
+          <a:ln w="6350">
+            <a:solidFill>
+              <a:schemeClr val="tx2">
+                <a:alpha val="90000"/>
+              </a:schemeClr>
+            </a:solidFill>
+          </a:ln>
+        </p:spPr>
+        <p:style>
+          <a:lnRef idx="1">
+            <a:schemeClr val="accent1"/>
+          </a:lnRef>
+          <a:fillRef idx="0">
+            <a:schemeClr val="accent1"/>
+          </a:fillRef>
+          <a:effectRef idx="0">
+            <a:schemeClr val="accent1"/>
+          </a:effectRef>
+          <a:fontRef idx="minor">
+            <a:schemeClr val="tx1"/>
+          </a:fontRef>
+        </p:style>
+      </p:cxnSp>
+      <p:pic>
+        <p:nvPicPr>
+          <p:cNvPr id="6" name="Segnaposto contenuto 4">
+            <a:extLst>
+              <a:ext uri="{FF2B5EF4-FFF2-40B4-BE49-F238E27FC236}">
+                <a16:creationId xmlns="" xmlns:a16="http://schemas.microsoft.com/office/drawing/2014/main" id="{8139A00E-CD6B-4166-B7B9-9D443B7955CA}"/>
+              </a:ext>
+            </a:extLst>
+          </p:cNvPr>
+          <p:cNvPicPr>
+            <a:picLocks noGrp="1" noChangeAspect="1"/>
+          </p:cNvPicPr>
+          <p:nvPr>
+            <p:ph idx="1"/>
+          </p:nvPr>
+        </p:nvPicPr>
+        <p:blipFill>
+          <a:blip r:embed="rId2"/>
+          <a:stretch>
+            <a:fillRect/>
+          </a:stretch>
+        </p:blipFill>
+        <p:spPr>
+          <a:xfrm>
+            <a:off x="229571" y="465388"/>
+            <a:ext cx="11810029" cy="5802444"/>
+          </a:xfrm>
+          <a:prstGeom prst="rect">
+            <a:avLst/>
+          </a:prstGeom>
+        </p:spPr>
+      </p:pic>
+      <p:sp>
+        <p:nvSpPr>
+          <p:cNvPr id="2" name="Titolo 1">
+            <a:extLst>
+              <a:ext uri="{FF2B5EF4-FFF2-40B4-BE49-F238E27FC236}">
+                <a16:creationId xmlns="" xmlns:a16="http://schemas.microsoft.com/office/drawing/2014/main" id="{0D56DBDB-59C1-4086-B810-02EF6EE13F32}"/>
+              </a:ext>
+            </a:extLst>
+          </p:cNvPr>
+          <p:cNvSpPr>
+            <a:spLocks noGrp="1"/>
+          </p:cNvSpPr>
+          <p:nvPr>
+            <p:ph type="title"/>
+          </p:nvPr>
+        </p:nvSpPr>
+        <p:spPr>
+          <a:xfrm>
+            <a:off x="5782149" y="-52467"/>
+            <a:ext cx="10909073" cy="1057655"/>
+          </a:xfrm>
+        </p:spPr>
+        <p:txBody>
+          <a:bodyPr vert="horz" lIns="91440" tIns="45720" rIns="91440" bIns="45720" rtlCol="0" anchor="b">
+            <a:normAutofit/>
+          </a:bodyPr>
+          <a:lstStyle/>
+          <a:p>
+            <a:r>
+              <a:rPr lang="en-US" sz="6000" dirty="0">
+                <a:solidFill>
+                  <a:schemeClr val="tx1">
+                    <a:lumMod val="85000"/>
+                    <a:lumOff val="15000"/>
+                  </a:schemeClr>
+                </a:solidFill>
+              </a:rPr>
+              <a:t>UML Class Diagram</a:t>
+            </a:r>
+          </a:p>
+        </p:txBody>
+      </p:sp>
+    </p:spTree>
+    <p:extLst>
+      <p:ext uri="{BB962C8B-B14F-4D97-AF65-F5344CB8AC3E}">
+        <p14:creationId xmlns:p14="http://schemas.microsoft.com/office/powerpoint/2010/main" val="1935489558"/>
+      </p:ext>
+    </p:extLst>
+  </p:cSld>
+  <p:clrMapOvr>
+    <a:masterClrMapping/>
+  </p:clrMapOvr>
+  <p:timing>
+    <p:tnLst>
+      <p:par>
+        <p:cTn id="1" dur="indefinite" restart="never" nodeType="tmRoot"/>
+      </p:par>
+    </p:tnLst>
+  </p:timing>
+</p:sld>
+</file>
+
 <file path=ppt/slides/slide2.xml><?xml version="1.0" encoding="utf-8"?>
 <p:sld xmlns:a="http://schemas.openxmlformats.org/drawingml/2006/main" xmlns:r="http://schemas.openxmlformats.org/officeDocument/2006/relationships" xmlns:p="http://schemas.openxmlformats.org/presentationml/2006/main">
   <p:cSld>
@@ -35821,7 +35975,7 @@
             <p:ph idx="1"/>
             <p:extLst>
               <p:ext uri="{D42A27DB-BD31-4B8C-83A1-F6EECF244321}">
-                <p14:modId xmlns:p14="http://schemas.microsoft.com/office/powerpoint/2010/main" val="985338871"/>
+                <p14:modId xmlns:p14="http://schemas.microsoft.com/office/powerpoint/2010/main" val="1549491574"/>
               </p:ext>
             </p:extLst>
           </p:nvPr>
@@ -35917,13 +36071,7 @@
       </p:grpSpPr>
       <p:sp>
         <p:nvSpPr>
-          <p:cNvPr id="2" name="Titolo 1">
-            <a:extLst>
-              <a:ext uri="{FF2B5EF4-FFF2-40B4-BE49-F238E27FC236}">
-                <a16:creationId xmlns="" xmlns:a16="http://schemas.microsoft.com/office/drawing/2014/main" id="{0D56DBDB-59C1-4086-B810-02EF6EE13F32}"/>
-              </a:ext>
-            </a:extLst>
-          </p:cNvPr>
+          <p:cNvPr id="2" name="Заголовок 1"/>
           <p:cNvSpPr>
             <a:spLocks noGrp="1"/>
           </p:cNvSpPr>
@@ -35933,80 +36081,60 @@
         </p:nvSpPr>
         <p:spPr>
           <a:xfrm>
-            <a:off x="1143241" y="134590"/>
-            <a:ext cx="10909073" cy="1057655"/>
+            <a:off x="1286851" y="211874"/>
+            <a:ext cx="10058400" cy="733750"/>
           </a:xfrm>
         </p:spPr>
         <p:txBody>
-          <a:bodyPr vert="horz" lIns="91440" tIns="45720" rIns="91440" bIns="45720" rtlCol="0" anchor="b">
-            <a:normAutofit/>
-          </a:bodyPr>
+          <a:bodyPr/>
           <a:lstStyle/>
           <a:p>
             <a:pPr algn="r"/>
             <a:r>
-              <a:rPr lang="en-US" sz="6000" dirty="0">
-                <a:solidFill>
-                  <a:schemeClr val="tx1">
-                    <a:lumMod val="85000"/>
-                    <a:lumOff val="15000"/>
-                  </a:schemeClr>
-                </a:solidFill>
-              </a:rPr>
-              <a:t>UML </a:t>
+              <a:rPr lang="en-US" dirty="0" smtClean="0"/>
+              <a:t>Generated </a:t>
             </a:r>
             <a:r>
-              <a:rPr lang="en-US" sz="6000" dirty="0" smtClean="0">
-                <a:solidFill>
-                  <a:schemeClr val="tx1">
-                    <a:lumMod val="85000"/>
-                    <a:lumOff val="15000"/>
-                  </a:schemeClr>
-                </a:solidFill>
-              </a:rPr>
-              <a:t>Sequence </a:t>
+              <a:rPr lang="en-US" dirty="0" smtClean="0"/>
+              <a:t>world </a:t>
             </a:r>
-            <a:r>
-              <a:rPr lang="en-US" sz="6000" dirty="0">
-                <a:solidFill>
-                  <a:schemeClr val="tx1">
-                    <a:lumMod val="85000"/>
-                    <a:lumOff val="15000"/>
-                  </a:schemeClr>
-                </a:solidFill>
-              </a:rPr>
-              <a:t>Diagram</a:t>
-            </a:r>
+            <a:endParaRPr lang="ru-RU" dirty="0"/>
           </a:p>
         </p:txBody>
       </p:sp>
       <p:pic>
         <p:nvPicPr>
-          <p:cNvPr id="4" name="Picture 6"/>
+          <p:cNvPr id="5" name="Объект 4"/>
           <p:cNvPicPr>
-            <a:picLocks noChangeAspect="1"/>
+            <a:picLocks noGrp="1" noChangeAspect="1"/>
           </p:cNvPicPr>
-          <p:nvPr/>
+          <p:nvPr>
+            <p:ph idx="1"/>
+          </p:nvPr>
         </p:nvPicPr>
-        <p:blipFill rotWithShape="1">
-          <a:blip r:embed="rId2"/>
-          <a:srcRect l="24633" t="22391" r="35622" b="24427"/>
-          <a:stretch/>
+        <p:blipFill>
+          <a:blip r:embed="rId2">
+            <a:extLst>
+              <a:ext uri="{28A0092B-C50C-407E-A947-70E740481C1C}">
+                <a14:useLocalDpi xmlns:a14="http://schemas.microsoft.com/office/drawing/2010/main" val="0"/>
+              </a:ext>
+            </a:extLst>
+          </a:blip>
+          <a:stretch>
+            <a:fillRect/>
+          </a:stretch>
         </p:blipFill>
         <p:spPr>
           <a:xfrm>
-            <a:off x="3659430" y="1790390"/>
-            <a:ext cx="5876694" cy="4423183"/>
+            <a:off x="1286850" y="856414"/>
+            <a:ext cx="9950817" cy="6001586"/>
           </a:xfrm>
-          <a:prstGeom prst="rect">
-            <a:avLst/>
-          </a:prstGeom>
         </p:spPr>
       </p:pic>
     </p:spTree>
     <p:extLst>
       <p:ext uri="{BB962C8B-B14F-4D97-AF65-F5344CB8AC3E}">
-        <p14:creationId xmlns:p14="http://schemas.microsoft.com/office/powerpoint/2010/main" val="314150138"/>
+        <p14:creationId xmlns:p14="http://schemas.microsoft.com/office/powerpoint/2010/main" val="1030526786"/>
       </p:ext>
     </p:extLst>
   </p:cSld>
@@ -36040,44 +36168,13 @@
           <a:chExt cx="0" cy="0"/>
         </a:xfrm>
       </p:grpSpPr>
-      <p:sp>
-        <p:nvSpPr>
-          <p:cNvPr id="2" name="Заголовок 1"/>
-          <p:cNvSpPr>
-            <a:spLocks noGrp="1"/>
-          </p:cNvSpPr>
-          <p:nvPr>
-            <p:ph type="title"/>
-          </p:nvPr>
-        </p:nvSpPr>
-        <p:spPr>
-          <a:xfrm>
-            <a:off x="1286851" y="211874"/>
-            <a:ext cx="10058400" cy="733750"/>
-          </a:xfrm>
-        </p:spPr>
-        <p:txBody>
-          <a:bodyPr/>
-          <a:lstStyle/>
-          <a:p>
-            <a:pPr algn="r"/>
-            <a:r>
-              <a:rPr lang="en-US" dirty="0" smtClean="0"/>
-              <a:t>Generated world</a:t>
-            </a:r>
-            <a:endParaRPr lang="ru-RU" dirty="0"/>
-          </a:p>
-        </p:txBody>
-      </p:sp>
       <p:pic>
         <p:nvPicPr>
-          <p:cNvPr id="4" name="Объект 3"/>
+          <p:cNvPr id="2" name="Рисунок 1"/>
           <p:cNvPicPr>
-            <a:picLocks noGrp="1" noChangeAspect="1"/>
+            <a:picLocks noChangeAspect="1"/>
           </p:cNvPicPr>
-          <p:nvPr>
-            <p:ph idx="1"/>
-          </p:nvPr>
+          <p:nvPr/>
         </p:nvPicPr>
         <p:blipFill>
           <a:blip r:embed="rId2">
@@ -36093,15 +36190,18 @@
         </p:blipFill>
         <p:spPr>
           <a:xfrm>
-            <a:off x="1179336" y="1031285"/>
-            <a:ext cx="9994186" cy="5232502"/>
+            <a:off x="1264735" y="11151"/>
+            <a:ext cx="9585402" cy="6404246"/>
           </a:xfrm>
+          <a:prstGeom prst="rect">
+            <a:avLst/>
+          </a:prstGeom>
         </p:spPr>
       </p:pic>
     </p:spTree>
     <p:extLst>
       <p:ext uri="{BB962C8B-B14F-4D97-AF65-F5344CB8AC3E}">
-        <p14:creationId xmlns:p14="http://schemas.microsoft.com/office/powerpoint/2010/main" val="1030526786"/>
+        <p14:creationId xmlns:p14="http://schemas.microsoft.com/office/powerpoint/2010/main" val="2090465174"/>
       </p:ext>
     </p:extLst>
   </p:cSld>
@@ -36231,6 +36331,13 @@
   <p:clrMapOvr>
     <a:masterClrMapping/>
   </p:clrMapOvr>
+  <p:timing>
+    <p:tnLst>
+      <p:par>
+        <p:cTn id="1" dur="indefinite" restart="never" nodeType="tmRoot"/>
+      </p:par>
+    </p:tnLst>
+  </p:timing>
 </p:sld>
 </file>
 
@@ -36937,8 +37044,12 @@
           <a:p>
             <a:pPr lvl="0"/>
             <a:r>
+              <a:rPr lang="en-US" dirty="0" smtClean="0"/>
+              <a:t>Optimizable </a:t>
+            </a:r>
+            <a:r>
               <a:rPr lang="en-US" dirty="0"/>
-              <a:t>Optimized and suitable </a:t>
+              <a:t>and suitable </a:t>
             </a:r>
             <a:r>
               <a:rPr lang="en-US" dirty="0" smtClean="0"/>
@@ -36962,7 +37073,7 @@
             <p:ph idx="1"/>
             <p:extLst>
               <p:ext uri="{D42A27DB-BD31-4B8C-83A1-F6EECF244321}">
-                <p14:modId xmlns:p14="http://schemas.microsoft.com/office/powerpoint/2010/main" val="747376051"/>
+                <p14:modId xmlns:p14="http://schemas.microsoft.com/office/powerpoint/2010/main" val="38828480"/>
               </p:ext>
             </p:extLst>
           </p:nvPr>
